--- a/CuriousConquersProject/ProjectPowerpoint1 (1).pptx
+++ b/CuriousConquersProject/ProjectPowerpoint1 (1).pptx
@@ -19,8 +19,8 @@
     <p:sldId id="271" r:id="rId13"/>
     <p:sldId id="269" r:id="rId14"/>
     <p:sldId id="276" r:id="rId15"/>
-    <p:sldId id="267" r:id="rId16"/>
-    <p:sldId id="268" r:id="rId17"/>
+    <p:sldId id="287" r:id="rId16"/>
+    <p:sldId id="288" r:id="rId17"/>
     <p:sldId id="286" r:id="rId18"/>
     <p:sldId id="265" r:id="rId19"/>
   </p:sldIdLst>
@@ -144,8 +144,8 @@
             <p14:sldId id="271"/>
             <p14:sldId id="269"/>
             <p14:sldId id="276"/>
-            <p14:sldId id="267"/>
-            <p14:sldId id="268"/>
+            <p14:sldId id="287"/>
+            <p14:sldId id="288"/>
             <p14:sldId id="286"/>
             <p14:sldId id="265"/>
           </p14:sldIdLst>
@@ -4309,8 +4309,8 @@
         </p:blipFill>
         <p:spPr>
           <a:xfrm>
-            <a:off x="518921" y="936328"/>
-            <a:ext cx="7128697" cy="5434433"/>
+            <a:off x="853120" y="1386481"/>
+            <a:ext cx="6357740" cy="4846708"/>
           </a:xfrm>
           <a:prstGeom prst="rect">
             <a:avLst/>
@@ -4331,7 +4331,7 @@
         </p:nvSpPr>
         <p:spPr>
           <a:xfrm>
-            <a:off x="7796593" y="1475642"/>
+            <a:off x="7866783" y="1351190"/>
             <a:ext cx="3745689" cy="4154984"/>
           </a:xfrm>
           <a:prstGeom prst="rect">
@@ -4390,7 +4390,7 @@
         </p:nvSpPr>
         <p:spPr>
           <a:xfrm>
-            <a:off x="1498863" y="182458"/>
+            <a:off x="1482750" y="342299"/>
             <a:ext cx="5457713" cy="769441"/>
           </a:xfrm>
           <a:prstGeom prst="rect">
@@ -4829,7 +4829,15 @@
             </a:pPr>
             <a:r>
               <a:rPr lang="en-US" sz="4000" dirty="0"/>
-              <a:t>Had a very weak correlation at unemployment 3% on police reports.</a:t>
+              <a:t>Unemployment rate had a very weak correlation with </a:t>
+            </a:r>
+            <a:r>
+              <a:rPr lang="en-US" sz="4000"/>
+              <a:t>police reports at	 </a:t>
+            </a:r>
+            <a:r>
+              <a:rPr lang="en-US" sz="4000" dirty="0"/>
+              <a:t>3%</a:t>
             </a:r>
           </a:p>
         </p:txBody>
@@ -5958,738 +5966,6 @@
       </p:grpSpPr>
       <p:sp useBgFill="1">
         <p:nvSpPr>
-          <p:cNvPr id="22" name="Rectangle 21">
-            <a:extLst>
-              <a:ext uri="{FF2B5EF4-FFF2-40B4-BE49-F238E27FC236}">
-                <a16:creationId xmlns:a16="http://schemas.microsoft.com/office/drawing/2014/main" id="{9095C1F4-AE7F-44E4-8693-40D3D6831140}"/>
-              </a:ext>
-              <a:ext uri="{C183D7F6-B498-43B3-948B-1728B52AA6E4}">
-                <adec:decorative xmlns:adec="http://schemas.microsoft.com/office/drawing/2017/decorative" val="1"/>
-              </a:ext>
-            </a:extLst>
-          </p:cNvPr>
-          <p:cNvSpPr>
-            <a:spLocks noGrp="1" noRot="1" noChangeAspect="1" noMove="1" noResize="1" noEditPoints="1" noAdjustHandles="1" noChangeArrowheads="1" noChangeShapeType="1" noTextEdit="1"/>
-          </p:cNvSpPr>
-          <p:nvPr>
-            <p:extLst>
-              <p:ext uri="{386F3935-93C4-4BCD-93E2-E3B085C9AB24}">
-                <p16:designElem xmlns:p16="http://schemas.microsoft.com/office/powerpoint/2015/main" val="1"/>
-              </p:ext>
-            </p:extLst>
-          </p:nvPr>
-        </p:nvSpPr>
-        <p:spPr>
-          <a:xfrm>
-            <a:off x="0" y="0"/>
-            <a:ext cx="12191999" cy="6857365"/>
-          </a:xfrm>
-          <a:prstGeom prst="rect">
-            <a:avLst/>
-          </a:prstGeom>
-          <a:ln>
-            <a:noFill/>
-          </a:ln>
-        </p:spPr>
-        <p:style>
-          <a:lnRef idx="2">
-            <a:schemeClr val="accent1">
-              <a:shade val="50000"/>
-            </a:schemeClr>
-          </a:lnRef>
-          <a:fillRef idx="1">
-            <a:schemeClr val="accent1"/>
-          </a:fillRef>
-          <a:effectRef idx="0">
-            <a:schemeClr val="accent1"/>
-          </a:effectRef>
-          <a:fontRef idx="minor">
-            <a:schemeClr val="lt1"/>
-          </a:fontRef>
-        </p:style>
-        <p:txBody>
-          <a:bodyPr rtlCol="0" anchor="ctr"/>
-          <a:lstStyle/>
-          <a:p>
-            <a:pPr algn="ctr"/>
-            <a:endParaRPr lang="en-US"/>
-          </a:p>
-        </p:txBody>
-      </p:sp>
-      <p:grpSp>
-        <p:nvGrpSpPr>
-          <p:cNvPr id="24" name="Group 23">
-            <a:extLst>
-              <a:ext uri="{FF2B5EF4-FFF2-40B4-BE49-F238E27FC236}">
-                <a16:creationId xmlns:a16="http://schemas.microsoft.com/office/drawing/2014/main" id="{8734DDD3-F723-4DD3-8ABE-EC0B2AC87D74}"/>
-              </a:ext>
-              <a:ext uri="{C183D7F6-B498-43B3-948B-1728B52AA6E4}">
-                <adec:decorative xmlns:adec="http://schemas.microsoft.com/office/drawing/2017/decorative" val="1"/>
-              </a:ext>
-            </a:extLst>
-          </p:cNvPr>
-          <p:cNvGrpSpPr>
-            <a:grpSpLocks noGrp="1" noUngrp="1" noRot="1" noChangeAspect="1" noMove="1" noResize="1"/>
-          </p:cNvGrpSpPr>
-          <p:nvPr>
-            <p:extLst>
-              <p:ext uri="{386F3935-93C4-4BCD-93E2-E3B085C9AB24}">
-                <p16:designElem xmlns:p16="http://schemas.microsoft.com/office/powerpoint/2015/main" val="1"/>
-              </p:ext>
-            </p:extLst>
-          </p:nvPr>
-        </p:nvGrpSpPr>
-        <p:grpSpPr>
-          <a:xfrm>
-            <a:off x="2522324" y="-15978"/>
-            <a:ext cx="7147352" cy="5876916"/>
-            <a:chOff x="329184" y="-99107"/>
-            <a:chExt cx="524256" cy="5876916"/>
-          </a:xfrm>
-        </p:grpSpPr>
-        <p:cxnSp>
-          <p:nvCxnSpPr>
-            <p:cNvPr id="25" name="Straight Connector 24">
-              <a:extLst>
-                <a:ext uri="{FF2B5EF4-FFF2-40B4-BE49-F238E27FC236}">
-                  <a16:creationId xmlns:a16="http://schemas.microsoft.com/office/drawing/2014/main" id="{F7C8EA93-3210-4C62-99E9-153C275E3A87}"/>
-                </a:ext>
-                <a:ext uri="{C183D7F6-B498-43B3-948B-1728B52AA6E4}">
-                  <adec:decorative xmlns:adec="http://schemas.microsoft.com/office/drawing/2017/decorative" val="1"/>
-                </a:ext>
-              </a:extLst>
-            </p:cNvPr>
-            <p:cNvCxnSpPr>
-              <a:cxnSpLocks/>
-            </p:cNvCxnSpPr>
-            <p:nvPr>
-              <p:extLst>
-                <p:ext uri="{386F3935-93C4-4BCD-93E2-E3B085C9AB24}">
-                  <p16:designElem xmlns:p16="http://schemas.microsoft.com/office/powerpoint/2015/main" val="1"/>
-                </p:ext>
-              </p:extLst>
-            </p:nvPr>
-          </p:nvCxnSpPr>
-          <p:spPr>
-            <a:xfrm flipH="1">
-              <a:off x="329184" y="5777809"/>
-              <a:ext cx="523824" cy="0"/>
-            </a:xfrm>
-            <a:prstGeom prst="line">
-              <a:avLst/>
-            </a:prstGeom>
-            <a:ln w="152400">
-              <a:solidFill>
-                <a:schemeClr val="accent4"/>
-              </a:solidFill>
-            </a:ln>
-          </p:spPr>
-          <p:style>
-            <a:lnRef idx="1">
-              <a:schemeClr val="accent1"/>
-            </a:lnRef>
-            <a:fillRef idx="0">
-              <a:schemeClr val="accent1"/>
-            </a:fillRef>
-            <a:effectRef idx="0">
-              <a:schemeClr val="accent1"/>
-            </a:effectRef>
-            <a:fontRef idx="minor">
-              <a:schemeClr val="tx1"/>
-            </a:fontRef>
-          </p:style>
-        </p:cxnSp>
-        <p:sp>
-          <p:nvSpPr>
-            <p:cNvPr id="26" name="Rectangle 25">
-              <a:extLst>
-                <a:ext uri="{FF2B5EF4-FFF2-40B4-BE49-F238E27FC236}">
-                  <a16:creationId xmlns:a16="http://schemas.microsoft.com/office/drawing/2014/main" id="{5EB7D2A2-F448-44D4-938C-DC84CBCB3B1E}"/>
-                </a:ext>
-                <a:ext uri="{C183D7F6-B498-43B3-948B-1728B52AA6E4}">
-                  <adec:decorative xmlns:adec="http://schemas.microsoft.com/office/drawing/2017/decorative" val="1"/>
-                </a:ext>
-              </a:extLst>
-            </p:cNvPr>
-            <p:cNvSpPr/>
-            <p:nvPr>
-              <p:extLst>
-                <p:ext uri="{386F3935-93C4-4BCD-93E2-E3B085C9AB24}">
-                  <p16:designElem xmlns:p16="http://schemas.microsoft.com/office/powerpoint/2015/main" val="1"/>
-                </p:ext>
-              </p:extLst>
-            </p:nvPr>
-          </p:nvSpPr>
-          <p:spPr>
-            <a:xfrm>
-              <a:off x="329184" y="-99107"/>
-              <a:ext cx="524256" cy="5631228"/>
-            </a:xfrm>
-            <a:prstGeom prst="rect">
-              <a:avLst/>
-            </a:prstGeom>
-            <a:solidFill>
-              <a:schemeClr val="accent4"/>
-            </a:solidFill>
-            <a:ln>
-              <a:noFill/>
-            </a:ln>
-          </p:spPr>
-          <p:style>
-            <a:lnRef idx="2">
-              <a:schemeClr val="accent1">
-                <a:shade val="50000"/>
-              </a:schemeClr>
-            </a:lnRef>
-            <a:fillRef idx="1">
-              <a:schemeClr val="accent1"/>
-            </a:fillRef>
-            <a:effectRef idx="0">
-              <a:schemeClr val="accent1"/>
-            </a:effectRef>
-            <a:fontRef idx="minor">
-              <a:schemeClr val="lt1"/>
-            </a:fontRef>
-          </p:style>
-          <p:txBody>
-            <a:bodyPr rtlCol="0" anchor="ctr"/>
-            <a:lstStyle/>
-            <a:p>
-              <a:pPr algn="ctr"/>
-              <a:endParaRPr lang="en-US" dirty="0"/>
-            </a:p>
-          </p:txBody>
-        </p:sp>
-      </p:grpSp>
-      <p:sp>
-        <p:nvSpPr>
-          <p:cNvPr id="28" name="Rectangle 27">
-            <a:extLst>
-              <a:ext uri="{FF2B5EF4-FFF2-40B4-BE49-F238E27FC236}">
-                <a16:creationId xmlns:a16="http://schemas.microsoft.com/office/drawing/2014/main" id="{871AEA07-1E14-44B4-8E55-64EF049CD66F}"/>
-              </a:ext>
-              <a:ext uri="{C183D7F6-B498-43B3-948B-1728B52AA6E4}">
-                <adec:decorative xmlns:adec="http://schemas.microsoft.com/office/drawing/2017/decorative" val="1"/>
-              </a:ext>
-            </a:extLst>
-          </p:cNvPr>
-          <p:cNvSpPr>
-            <a:spLocks noGrp="1" noRot="1" noChangeAspect="1" noMove="1" noResize="1" noEditPoints="1" noAdjustHandles="1" noChangeArrowheads="1" noChangeShapeType="1" noTextEdit="1"/>
-          </p:cNvSpPr>
-          <p:nvPr>
-            <p:extLst>
-              <p:ext uri="{386F3935-93C4-4BCD-93E2-E3B085C9AB24}">
-                <p16:designElem xmlns:p16="http://schemas.microsoft.com/office/powerpoint/2015/main" val="1"/>
-              </p:ext>
-            </p:extLst>
-          </p:nvPr>
-        </p:nvSpPr>
-        <p:spPr>
-          <a:xfrm>
-            <a:off x="596464" y="1055718"/>
-            <a:ext cx="10999072" cy="3358344"/>
-          </a:xfrm>
-          <a:prstGeom prst="rect">
-            <a:avLst/>
-          </a:prstGeom>
-          <a:solidFill>
-            <a:schemeClr val="bg1"/>
-          </a:solidFill>
-          <a:ln>
-            <a:noFill/>
-          </a:ln>
-          <a:effectLst>
-            <a:outerShdw blurRad="139700" dist="127000" dir="5400000" algn="t" rotWithShape="0">
-              <a:prstClr val="black">
-                <a:alpha val="15000"/>
-              </a:prstClr>
-            </a:outerShdw>
-          </a:effectLst>
-        </p:spPr>
-        <p:style>
-          <a:lnRef idx="2">
-            <a:schemeClr val="accent1">
-              <a:shade val="50000"/>
-            </a:schemeClr>
-          </a:lnRef>
-          <a:fillRef idx="1">
-            <a:schemeClr val="accent1"/>
-          </a:fillRef>
-          <a:effectRef idx="0">
-            <a:schemeClr val="accent1"/>
-          </a:effectRef>
-          <a:fontRef idx="minor">
-            <a:schemeClr val="lt1"/>
-          </a:fontRef>
-        </p:style>
-        <p:txBody>
-          <a:bodyPr rtlCol="0" anchor="ctr"/>
-          <a:lstStyle/>
-          <a:p>
-            <a:pPr algn="ctr"/>
-            <a:endParaRPr lang="en-US"/>
-          </a:p>
-        </p:txBody>
-      </p:sp>
-      <p:sp>
-        <p:nvSpPr>
-          <p:cNvPr id="2" name="Title 1">
-            <a:extLst>
-              <a:ext uri="{FF2B5EF4-FFF2-40B4-BE49-F238E27FC236}">
-                <a16:creationId xmlns:a16="http://schemas.microsoft.com/office/drawing/2014/main" id="{BD31A0EF-76AB-411A-B34D-897C6FC1580A}"/>
-              </a:ext>
-            </a:extLst>
-          </p:cNvPr>
-          <p:cNvSpPr>
-            <a:spLocks noGrp="1"/>
-          </p:cNvSpPr>
-          <p:nvPr>
-            <p:ph type="title"/>
-          </p:nvPr>
-        </p:nvSpPr>
-        <p:spPr>
-          <a:xfrm>
-            <a:off x="1524000" y="1584683"/>
-            <a:ext cx="9144000" cy="2551829"/>
-          </a:xfrm>
-        </p:spPr>
-        <p:txBody>
-          <a:bodyPr vert="horz" lIns="91440" tIns="45720" rIns="91440" bIns="45720" rtlCol="0" anchor="ctr">
-            <a:normAutofit/>
-          </a:bodyPr>
-          <a:lstStyle/>
-          <a:p>
-            <a:pPr algn="ctr"/>
-            <a:r>
-              <a:rPr lang="en-US" sz="6600" b="1" kern="1200" dirty="0">
-                <a:solidFill>
-                  <a:schemeClr val="tx1"/>
-                </a:solidFill>
-                <a:latin typeface="Amasis MT Pro Black" panose="02040A04050005020304" pitchFamily="18" charset="0"/>
-              </a:rPr>
-              <a:t>Summary</a:t>
-            </a:r>
-          </a:p>
-        </p:txBody>
-      </p:sp>
-    </p:spTree>
-    <p:extLst>
-      <p:ext uri="{BB962C8B-B14F-4D97-AF65-F5344CB8AC3E}">
-        <p14:creationId xmlns:p14="http://schemas.microsoft.com/office/powerpoint/2010/main" val="1270426270"/>
-      </p:ext>
-    </p:extLst>
-  </p:cSld>
-  <p:clrMapOvr>
-    <a:masterClrMapping/>
-  </p:clrMapOvr>
-  <mc:AlternateContent xmlns:mc="http://schemas.openxmlformats.org/markup-compatibility/2006" xmlns:p14="http://schemas.microsoft.com/office/powerpoint/2010/main">
-    <mc:Choice Requires="p14">
-      <p:transition spd="slow" p14:dur="3400">
-        <p14:reveal/>
-      </p:transition>
-    </mc:Choice>
-    <mc:Fallback xmlns="">
-      <p:transition spd="slow">
-        <p:fade/>
-      </p:transition>
-    </mc:Fallback>
-  </mc:AlternateContent>
-</p:sld>
-</file>
-
-<file path=ppt/slides/slide16.xml><?xml version="1.0" encoding="utf-8"?>
-<p:sld xmlns:a="http://schemas.openxmlformats.org/drawingml/2006/main" xmlns:r="http://schemas.openxmlformats.org/officeDocument/2006/relationships" xmlns:p="http://schemas.openxmlformats.org/presentationml/2006/main">
-  <p:cSld>
-    <p:bg>
-      <p:bgPr>
-        <a:solidFill>
-          <a:schemeClr val="bg1"/>
-        </a:solidFill>
-        <a:effectLst/>
-      </p:bgPr>
-    </p:bg>
-    <p:spTree>
-      <p:nvGrpSpPr>
-        <p:cNvPr id="1" name=""/>
-        <p:cNvGrpSpPr/>
-        <p:nvPr/>
-      </p:nvGrpSpPr>
-      <p:grpSpPr>
-        <a:xfrm>
-          <a:off x="0" y="0"/>
-          <a:ext cx="0" cy="0"/>
-          <a:chOff x="0" y="0"/>
-          <a:chExt cx="0" cy="0"/>
-        </a:xfrm>
-      </p:grpSpPr>
-      <p:sp useBgFill="1">
-        <p:nvSpPr>
-          <p:cNvPr id="22" name="Rectangle 21">
-            <a:extLst>
-              <a:ext uri="{FF2B5EF4-FFF2-40B4-BE49-F238E27FC236}">
-                <a16:creationId xmlns:a16="http://schemas.microsoft.com/office/drawing/2014/main" id="{9095C1F4-AE7F-44E4-8693-40D3D6831140}"/>
-              </a:ext>
-              <a:ext uri="{C183D7F6-B498-43B3-948B-1728B52AA6E4}">
-                <adec:decorative xmlns:adec="http://schemas.microsoft.com/office/drawing/2017/decorative" val="1"/>
-              </a:ext>
-            </a:extLst>
-          </p:cNvPr>
-          <p:cNvSpPr>
-            <a:spLocks noGrp="1" noRot="1" noChangeAspect="1" noMove="1" noResize="1" noEditPoints="1" noAdjustHandles="1" noChangeArrowheads="1" noChangeShapeType="1" noTextEdit="1"/>
-          </p:cNvSpPr>
-          <p:nvPr>
-            <p:extLst>
-              <p:ext uri="{386F3935-93C4-4BCD-93E2-E3B085C9AB24}">
-                <p16:designElem xmlns:p16="http://schemas.microsoft.com/office/powerpoint/2015/main" val="1"/>
-              </p:ext>
-            </p:extLst>
-          </p:nvPr>
-        </p:nvSpPr>
-        <p:spPr>
-          <a:xfrm>
-            <a:off x="0" y="0"/>
-            <a:ext cx="12191999" cy="6857365"/>
-          </a:xfrm>
-          <a:prstGeom prst="rect">
-            <a:avLst/>
-          </a:prstGeom>
-          <a:ln>
-            <a:noFill/>
-          </a:ln>
-        </p:spPr>
-        <p:style>
-          <a:lnRef idx="2">
-            <a:schemeClr val="accent1">
-              <a:shade val="50000"/>
-            </a:schemeClr>
-          </a:lnRef>
-          <a:fillRef idx="1">
-            <a:schemeClr val="accent1"/>
-          </a:fillRef>
-          <a:effectRef idx="0">
-            <a:schemeClr val="accent1"/>
-          </a:effectRef>
-          <a:fontRef idx="minor">
-            <a:schemeClr val="lt1"/>
-          </a:fontRef>
-        </p:style>
-        <p:txBody>
-          <a:bodyPr rtlCol="0" anchor="ctr"/>
-          <a:lstStyle/>
-          <a:p>
-            <a:pPr algn="ctr"/>
-            <a:endParaRPr lang="en-US"/>
-          </a:p>
-        </p:txBody>
-      </p:sp>
-      <p:grpSp>
-        <p:nvGrpSpPr>
-          <p:cNvPr id="24" name="Group 23">
-            <a:extLst>
-              <a:ext uri="{FF2B5EF4-FFF2-40B4-BE49-F238E27FC236}">
-                <a16:creationId xmlns:a16="http://schemas.microsoft.com/office/drawing/2014/main" id="{8734DDD3-F723-4DD3-8ABE-EC0B2AC87D74}"/>
-              </a:ext>
-              <a:ext uri="{C183D7F6-B498-43B3-948B-1728B52AA6E4}">
-                <adec:decorative xmlns:adec="http://schemas.microsoft.com/office/drawing/2017/decorative" val="1"/>
-              </a:ext>
-            </a:extLst>
-          </p:cNvPr>
-          <p:cNvGrpSpPr>
-            <a:grpSpLocks noGrp="1" noUngrp="1" noRot="1" noChangeAspect="1" noMove="1" noResize="1"/>
-          </p:cNvGrpSpPr>
-          <p:nvPr>
-            <p:extLst>
-              <p:ext uri="{386F3935-93C4-4BCD-93E2-E3B085C9AB24}">
-                <p16:designElem xmlns:p16="http://schemas.microsoft.com/office/powerpoint/2015/main" val="1"/>
-              </p:ext>
-            </p:extLst>
-          </p:nvPr>
-        </p:nvGrpSpPr>
-        <p:grpSpPr>
-          <a:xfrm>
-            <a:off x="2522324" y="-15978"/>
-            <a:ext cx="7147352" cy="5876916"/>
-            <a:chOff x="329184" y="-99107"/>
-            <a:chExt cx="524256" cy="5876916"/>
-          </a:xfrm>
-        </p:grpSpPr>
-        <p:cxnSp>
-          <p:nvCxnSpPr>
-            <p:cNvPr id="25" name="Straight Connector 24">
-              <a:extLst>
-                <a:ext uri="{FF2B5EF4-FFF2-40B4-BE49-F238E27FC236}">
-                  <a16:creationId xmlns:a16="http://schemas.microsoft.com/office/drawing/2014/main" id="{F7C8EA93-3210-4C62-99E9-153C275E3A87}"/>
-                </a:ext>
-                <a:ext uri="{C183D7F6-B498-43B3-948B-1728B52AA6E4}">
-                  <adec:decorative xmlns:adec="http://schemas.microsoft.com/office/drawing/2017/decorative" val="1"/>
-                </a:ext>
-              </a:extLst>
-            </p:cNvPr>
-            <p:cNvCxnSpPr>
-              <a:cxnSpLocks/>
-            </p:cNvCxnSpPr>
-            <p:nvPr>
-              <p:extLst>
-                <p:ext uri="{386F3935-93C4-4BCD-93E2-E3B085C9AB24}">
-                  <p16:designElem xmlns:p16="http://schemas.microsoft.com/office/powerpoint/2015/main" val="1"/>
-                </p:ext>
-              </p:extLst>
-            </p:nvPr>
-          </p:nvCxnSpPr>
-          <p:spPr>
-            <a:xfrm flipH="1">
-              <a:off x="329184" y="5777809"/>
-              <a:ext cx="523824" cy="0"/>
-            </a:xfrm>
-            <a:prstGeom prst="line">
-              <a:avLst/>
-            </a:prstGeom>
-            <a:ln w="152400">
-              <a:solidFill>
-                <a:schemeClr val="accent4"/>
-              </a:solidFill>
-            </a:ln>
-          </p:spPr>
-          <p:style>
-            <a:lnRef idx="1">
-              <a:schemeClr val="accent1"/>
-            </a:lnRef>
-            <a:fillRef idx="0">
-              <a:schemeClr val="accent1"/>
-            </a:fillRef>
-            <a:effectRef idx="0">
-              <a:schemeClr val="accent1"/>
-            </a:effectRef>
-            <a:fontRef idx="minor">
-              <a:schemeClr val="tx1"/>
-            </a:fontRef>
-          </p:style>
-        </p:cxnSp>
-        <p:sp>
-          <p:nvSpPr>
-            <p:cNvPr id="26" name="Rectangle 25">
-              <a:extLst>
-                <a:ext uri="{FF2B5EF4-FFF2-40B4-BE49-F238E27FC236}">
-                  <a16:creationId xmlns:a16="http://schemas.microsoft.com/office/drawing/2014/main" id="{5EB7D2A2-F448-44D4-938C-DC84CBCB3B1E}"/>
-                </a:ext>
-                <a:ext uri="{C183D7F6-B498-43B3-948B-1728B52AA6E4}">
-                  <adec:decorative xmlns:adec="http://schemas.microsoft.com/office/drawing/2017/decorative" val="1"/>
-                </a:ext>
-              </a:extLst>
-            </p:cNvPr>
-            <p:cNvSpPr/>
-            <p:nvPr>
-              <p:extLst>
-                <p:ext uri="{386F3935-93C4-4BCD-93E2-E3B085C9AB24}">
-                  <p16:designElem xmlns:p16="http://schemas.microsoft.com/office/powerpoint/2015/main" val="1"/>
-                </p:ext>
-              </p:extLst>
-            </p:nvPr>
-          </p:nvSpPr>
-          <p:spPr>
-            <a:xfrm>
-              <a:off x="329184" y="-99107"/>
-              <a:ext cx="524256" cy="5631228"/>
-            </a:xfrm>
-            <a:prstGeom prst="rect">
-              <a:avLst/>
-            </a:prstGeom>
-            <a:solidFill>
-              <a:schemeClr val="accent4"/>
-            </a:solidFill>
-            <a:ln>
-              <a:noFill/>
-            </a:ln>
-          </p:spPr>
-          <p:style>
-            <a:lnRef idx="2">
-              <a:schemeClr val="accent1">
-                <a:shade val="50000"/>
-              </a:schemeClr>
-            </a:lnRef>
-            <a:fillRef idx="1">
-              <a:schemeClr val="accent1"/>
-            </a:fillRef>
-            <a:effectRef idx="0">
-              <a:schemeClr val="accent1"/>
-            </a:effectRef>
-            <a:fontRef idx="minor">
-              <a:schemeClr val="lt1"/>
-            </a:fontRef>
-          </p:style>
-          <p:txBody>
-            <a:bodyPr rtlCol="0" anchor="ctr"/>
-            <a:lstStyle/>
-            <a:p>
-              <a:pPr algn="ctr"/>
-              <a:endParaRPr lang="en-US" dirty="0"/>
-            </a:p>
-          </p:txBody>
-        </p:sp>
-      </p:grpSp>
-      <p:sp>
-        <p:nvSpPr>
-          <p:cNvPr id="28" name="Rectangle 27">
-            <a:extLst>
-              <a:ext uri="{FF2B5EF4-FFF2-40B4-BE49-F238E27FC236}">
-                <a16:creationId xmlns:a16="http://schemas.microsoft.com/office/drawing/2014/main" id="{871AEA07-1E14-44B4-8E55-64EF049CD66F}"/>
-              </a:ext>
-              <a:ext uri="{C183D7F6-B498-43B3-948B-1728B52AA6E4}">
-                <adec:decorative xmlns:adec="http://schemas.microsoft.com/office/drawing/2017/decorative" val="1"/>
-              </a:ext>
-            </a:extLst>
-          </p:cNvPr>
-          <p:cNvSpPr>
-            <a:spLocks noGrp="1" noRot="1" noChangeAspect="1" noMove="1" noResize="1" noEditPoints="1" noAdjustHandles="1" noChangeArrowheads="1" noChangeShapeType="1" noTextEdit="1"/>
-          </p:cNvSpPr>
-          <p:nvPr>
-            <p:extLst>
-              <p:ext uri="{386F3935-93C4-4BCD-93E2-E3B085C9AB24}">
-                <p16:designElem xmlns:p16="http://schemas.microsoft.com/office/powerpoint/2015/main" val="1"/>
-              </p:ext>
-            </p:extLst>
-          </p:nvPr>
-        </p:nvSpPr>
-        <p:spPr>
-          <a:xfrm>
-            <a:off x="596464" y="1055718"/>
-            <a:ext cx="10999072" cy="3358344"/>
-          </a:xfrm>
-          <a:prstGeom prst="rect">
-            <a:avLst/>
-          </a:prstGeom>
-          <a:solidFill>
-            <a:schemeClr val="bg1"/>
-          </a:solidFill>
-          <a:ln>
-            <a:noFill/>
-          </a:ln>
-          <a:effectLst>
-            <a:outerShdw blurRad="139700" dist="127000" dir="5400000" algn="t" rotWithShape="0">
-              <a:prstClr val="black">
-                <a:alpha val="15000"/>
-              </a:prstClr>
-            </a:outerShdw>
-          </a:effectLst>
-        </p:spPr>
-        <p:style>
-          <a:lnRef idx="2">
-            <a:schemeClr val="accent1">
-              <a:shade val="50000"/>
-            </a:schemeClr>
-          </a:lnRef>
-          <a:fillRef idx="1">
-            <a:schemeClr val="accent1"/>
-          </a:fillRef>
-          <a:effectRef idx="0">
-            <a:schemeClr val="accent1"/>
-          </a:effectRef>
-          <a:fontRef idx="minor">
-            <a:schemeClr val="lt1"/>
-          </a:fontRef>
-        </p:style>
-        <p:txBody>
-          <a:bodyPr rtlCol="0" anchor="ctr"/>
-          <a:lstStyle/>
-          <a:p>
-            <a:pPr algn="ctr"/>
-            <a:endParaRPr lang="en-US"/>
-          </a:p>
-        </p:txBody>
-      </p:sp>
-      <p:sp>
-        <p:nvSpPr>
-          <p:cNvPr id="2" name="Title 1">
-            <a:extLst>
-              <a:ext uri="{FF2B5EF4-FFF2-40B4-BE49-F238E27FC236}">
-                <a16:creationId xmlns:a16="http://schemas.microsoft.com/office/drawing/2014/main" id="{BD31A0EF-76AB-411A-B34D-897C6FC1580A}"/>
-              </a:ext>
-            </a:extLst>
-          </p:cNvPr>
-          <p:cNvSpPr>
-            <a:spLocks noGrp="1"/>
-          </p:cNvSpPr>
-          <p:nvPr>
-            <p:ph type="title"/>
-          </p:nvPr>
-        </p:nvSpPr>
-        <p:spPr>
-          <a:xfrm>
-            <a:off x="1524000" y="1584683"/>
-            <a:ext cx="9144000" cy="2551829"/>
-          </a:xfrm>
-        </p:spPr>
-        <p:txBody>
-          <a:bodyPr vert="horz" lIns="91440" tIns="45720" rIns="91440" bIns="45720" rtlCol="0" anchor="ctr">
-            <a:normAutofit/>
-          </a:bodyPr>
-          <a:lstStyle/>
-          <a:p>
-            <a:pPr algn="ctr"/>
-            <a:r>
-              <a:rPr lang="en-US" sz="6600" b="1" kern="1200" dirty="0">
-                <a:solidFill>
-                  <a:schemeClr val="tx1"/>
-                </a:solidFill>
-                <a:latin typeface="Amasis MT Pro Black" panose="02040A04050005020304" pitchFamily="18" charset="0"/>
-              </a:rPr>
-              <a:t>Conclusion</a:t>
-            </a:r>
-          </a:p>
-        </p:txBody>
-      </p:sp>
-    </p:spTree>
-    <p:extLst>
-      <p:ext uri="{BB962C8B-B14F-4D97-AF65-F5344CB8AC3E}">
-        <p14:creationId xmlns:p14="http://schemas.microsoft.com/office/powerpoint/2010/main" val="1275018497"/>
-      </p:ext>
-    </p:extLst>
-  </p:cSld>
-  <p:clrMapOvr>
-    <a:masterClrMapping/>
-  </p:clrMapOvr>
-  <mc:AlternateContent xmlns:mc="http://schemas.openxmlformats.org/markup-compatibility/2006" xmlns:p14="http://schemas.microsoft.com/office/powerpoint/2010/main">
-    <mc:Choice Requires="p14">
-      <p:transition spd="slow" p14:dur="3400">
-        <p14:reveal/>
-      </p:transition>
-    </mc:Choice>
-    <mc:Fallback xmlns="">
-      <p:transition spd="slow">
-        <p:fade/>
-      </p:transition>
-    </mc:Fallback>
-  </mc:AlternateContent>
-</p:sld>
-</file>
-
-<file path=ppt/slides/slide17.xml><?xml version="1.0" encoding="utf-8"?>
-<p:sld xmlns:a="http://schemas.openxmlformats.org/drawingml/2006/main" xmlns:r="http://schemas.openxmlformats.org/officeDocument/2006/relationships" xmlns:p="http://schemas.openxmlformats.org/presentationml/2006/main">
-  <p:cSld>
-    <p:bg>
-      <p:bgPr>
-        <a:solidFill>
-          <a:schemeClr val="bg1"/>
-        </a:solidFill>
-        <a:effectLst/>
-      </p:bgPr>
-    </p:bg>
-    <p:spTree>
-      <p:nvGrpSpPr>
-        <p:cNvPr id="1" name=""/>
-        <p:cNvGrpSpPr/>
-        <p:nvPr/>
-      </p:nvGrpSpPr>
-      <p:grpSpPr>
-        <a:xfrm>
-          <a:off x="0" y="0"/>
-          <a:ext cx="0" cy="0"/>
-          <a:chOff x="0" y="0"/>
-          <a:chExt cx="0" cy="0"/>
-        </a:xfrm>
-      </p:grpSpPr>
-      <p:sp useBgFill="1">
-        <p:nvSpPr>
           <p:cNvPr id="44" name="Rectangle 24">
             <a:extLst>
               <a:ext uri="{FF2B5EF4-FFF2-40B4-BE49-F238E27FC236}">
@@ -7063,7 +6339,7 @@
               <a:rPr lang="en-US" b="1" dirty="0">
                 <a:latin typeface="Amasis MT Pro Black" panose="02040A04050005020304" pitchFamily="18" charset="0"/>
               </a:rPr>
-              <a:t>This is just the beginning!</a:t>
+              <a:t>Summary</a:t>
             </a:r>
           </a:p>
         </p:txBody>
@@ -7106,7 +6382,7 @@
                 <a:ea typeface="Calibri" panose="020F0502020204030204" pitchFamily="34" charset="0"/>
                 <a:cs typeface="Times New Roman" panose="02020603050405020304" pitchFamily="18" charset="0"/>
               </a:rPr>
-              <a:t>Time</a:t>
+              <a:t>Unemployment rates do not have significant affect on any of our data</a:t>
             </a:r>
           </a:p>
           <a:p>
@@ -7120,7 +6396,7 @@
                 <a:ea typeface="Calibri" panose="020F0502020204030204" pitchFamily="34" charset="0"/>
                 <a:cs typeface="Times New Roman" panose="02020603050405020304" pitchFamily="18" charset="0"/>
               </a:rPr>
-              <a:t>State size factor</a:t>
+              <a:t>We did find that as the violent crime increases, the property crime decreases</a:t>
             </a:r>
           </a:p>
           <a:p>
@@ -7129,32 +6405,24 @@
               <a:buChar char="Ø"/>
             </a:pPr>
             <a:r>
-              <a:rPr lang="en-US" sz="3200" dirty="0" err="1">
+              <a:rPr lang="en-US" sz="3200" dirty="0">
                 <a:latin typeface="Calibri" panose="020F0502020204030204" pitchFamily="34" charset="0"/>
                 <a:ea typeface="Calibri" panose="020F0502020204030204" pitchFamily="34" charset="0"/>
                 <a:cs typeface="Times New Roman" panose="02020603050405020304" pitchFamily="18" charset="0"/>
               </a:rPr>
-              <a:t>Polotics</a:t>
-            </a:r>
+              <a:t>As population and police reports increased, prison population also increases</a:t>
+            </a:r>
+          </a:p>
+          <a:p>
+            <a:pPr algn="ctr">
+              <a:buFont typeface="Wingdings" panose="05000000000000000000" pitchFamily="2" charset="2"/>
+              <a:buChar char="Ø"/>
+            </a:pPr>
             <a:endParaRPr lang="en-US" sz="3200" dirty="0">
               <a:latin typeface="Calibri" panose="020F0502020204030204" pitchFamily="34" charset="0"/>
               <a:ea typeface="Calibri" panose="020F0502020204030204" pitchFamily="34" charset="0"/>
               <a:cs typeface="Times New Roman" panose="02020603050405020304" pitchFamily="18" charset="0"/>
             </a:endParaRPr>
-          </a:p>
-          <a:p>
-            <a:pPr algn="ctr">
-              <a:buFont typeface="Wingdings" panose="05000000000000000000" pitchFamily="2" charset="2"/>
-              <a:buChar char="Ø"/>
-            </a:pPr>
-            <a:r>
-              <a:rPr lang="en-US" sz="3200" dirty="0">
-                <a:latin typeface="Calibri" panose="020F0502020204030204" pitchFamily="34" charset="0"/>
-                <a:ea typeface="Calibri" panose="020F0502020204030204" pitchFamily="34" charset="0"/>
-                <a:cs typeface="Times New Roman" panose="02020603050405020304" pitchFamily="18" charset="0"/>
-              </a:rPr>
-              <a:t>Health Care</a:t>
-            </a:r>
           </a:p>
         </p:txBody>
       </p:sp>
@@ -7213,986 +6481,20 @@
     </p:spTree>
     <p:extLst>
       <p:ext uri="{BB962C8B-B14F-4D97-AF65-F5344CB8AC3E}">
-        <p14:creationId xmlns:p14="http://schemas.microsoft.com/office/powerpoint/2010/main" val="157401384"/>
+        <p14:creationId xmlns:p14="http://schemas.microsoft.com/office/powerpoint/2010/main" val="2345291454"/>
       </p:ext>
     </p:extLst>
   </p:cSld>
   <p:clrMapOvr>
     <a:masterClrMapping/>
   </p:clrMapOvr>
-  <mc:AlternateContent xmlns:mc="http://schemas.openxmlformats.org/markup-compatibility/2006" xmlns:p14="http://schemas.microsoft.com/office/powerpoint/2010/main">
-    <mc:Choice Requires="p14">
-      <p:transition spd="slow">
-        <p14:flash/>
-      </p:transition>
-    </mc:Choice>
-    <mc:Fallback xmlns="">
-      <p:transition spd="slow">
-        <p:fade/>
-      </p:transition>
-    </mc:Fallback>
-  </mc:AlternateContent>
+  <p:transition spd="slow">
+    <p:push dir="u"/>
+  </p:transition>
 </p:sld>
 </file>
 
-<file path=ppt/slides/slide18.xml><?xml version="1.0" encoding="utf-8"?>
-<p:sld xmlns:a="http://schemas.openxmlformats.org/drawingml/2006/main" xmlns:r="http://schemas.openxmlformats.org/officeDocument/2006/relationships" xmlns:p="http://schemas.openxmlformats.org/presentationml/2006/main">
-  <p:cSld>
-    <p:spTree>
-      <p:nvGrpSpPr>
-        <p:cNvPr id="1" name=""/>
-        <p:cNvGrpSpPr/>
-        <p:nvPr/>
-      </p:nvGrpSpPr>
-      <p:grpSpPr>
-        <a:xfrm>
-          <a:off x="0" y="0"/>
-          <a:ext cx="0" cy="0"/>
-          <a:chOff x="0" y="0"/>
-          <a:chExt cx="0" cy="0"/>
-        </a:xfrm>
-      </p:grpSpPr>
-      <p:sp>
-        <p:nvSpPr>
-          <p:cNvPr id="2" name="Title 1">
-            <a:extLst>
-              <a:ext uri="{FF2B5EF4-FFF2-40B4-BE49-F238E27FC236}">
-                <a16:creationId xmlns:a16="http://schemas.microsoft.com/office/drawing/2014/main" id="{3A84E6C5-9D62-812B-4420-7981812964F3}"/>
-              </a:ext>
-            </a:extLst>
-          </p:cNvPr>
-          <p:cNvSpPr>
-            <a:spLocks noGrp="1"/>
-          </p:cNvSpPr>
-          <p:nvPr>
-            <p:ph type="title"/>
-          </p:nvPr>
-        </p:nvSpPr>
-        <p:spPr>
-          <a:xfrm>
-            <a:off x="2073728" y="1423534"/>
-            <a:ext cx="8044543" cy="4010932"/>
-          </a:xfrm>
-        </p:spPr>
-        <p:txBody>
-          <a:bodyPr>
-            <a:normAutofit/>
-          </a:bodyPr>
-          <a:lstStyle/>
-          <a:p>
-            <a:r>
-              <a:rPr lang="en-US" sz="9600" b="1" dirty="0">
-                <a:latin typeface="Amasis MT Pro Black" panose="02040A04050005020304" pitchFamily="18" charset="0"/>
-              </a:rPr>
-              <a:t>Questions?</a:t>
-            </a:r>
-          </a:p>
-        </p:txBody>
-      </p:sp>
-    </p:spTree>
-    <p:extLst>
-      <p:ext uri="{BB962C8B-B14F-4D97-AF65-F5344CB8AC3E}">
-        <p14:creationId xmlns:p14="http://schemas.microsoft.com/office/powerpoint/2010/main" val="1315709468"/>
-      </p:ext>
-    </p:extLst>
-  </p:cSld>
-  <p:clrMapOvr>
-    <a:masterClrMapping/>
-  </p:clrMapOvr>
-  <mc:AlternateContent xmlns:mc="http://schemas.openxmlformats.org/markup-compatibility/2006" xmlns:p15="http://schemas.microsoft.com/office/powerpoint/2012/main">
-    <mc:Choice Requires="p15">
-      <p:transition xmlns:p14="http://schemas.microsoft.com/office/powerpoint/2010/main" spd="slow" p14:dur="6000">
-        <p15:prstTrans prst="curtains"/>
-      </p:transition>
-    </mc:Choice>
-    <mc:Fallback xmlns="">
-      <p:transition spd="slow">
-        <p:fade/>
-      </p:transition>
-    </mc:Fallback>
-  </mc:AlternateContent>
-</p:sld>
-</file>
-
-<file path=ppt/slides/slide2.xml><?xml version="1.0" encoding="utf-8"?>
-<p:sld xmlns:a="http://schemas.openxmlformats.org/drawingml/2006/main" xmlns:r="http://schemas.openxmlformats.org/officeDocument/2006/relationships" xmlns:p="http://schemas.openxmlformats.org/presentationml/2006/main">
-  <p:cSld>
-    <p:spTree>
-      <p:nvGrpSpPr>
-        <p:cNvPr id="1" name=""/>
-        <p:cNvGrpSpPr/>
-        <p:nvPr/>
-      </p:nvGrpSpPr>
-      <p:grpSpPr>
-        <a:xfrm>
-          <a:off x="0" y="0"/>
-          <a:ext cx="0" cy="0"/>
-          <a:chOff x="0" y="0"/>
-          <a:chExt cx="0" cy="0"/>
-        </a:xfrm>
-      </p:grpSpPr>
-      <p:sp>
-        <p:nvSpPr>
-          <p:cNvPr id="2" name="Title 1">
-            <a:extLst>
-              <a:ext uri="{FF2B5EF4-FFF2-40B4-BE49-F238E27FC236}">
-                <a16:creationId xmlns:a16="http://schemas.microsoft.com/office/drawing/2014/main" id="{3FC40F1B-DAFF-AE30-7D4A-01EA1AB23990}"/>
-              </a:ext>
-            </a:extLst>
-          </p:cNvPr>
-          <p:cNvSpPr>
-            <a:spLocks noGrp="1"/>
-          </p:cNvSpPr>
-          <p:nvPr>
-            <p:ph type="title"/>
-          </p:nvPr>
-        </p:nvSpPr>
-        <p:spPr>
-          <a:xfrm>
-            <a:off x="1721540" y="32084"/>
-            <a:ext cx="8748920" cy="1141234"/>
-          </a:xfrm>
-        </p:spPr>
-        <p:txBody>
-          <a:bodyPr>
-            <a:normAutofit/>
-          </a:bodyPr>
-          <a:lstStyle/>
-          <a:p>
-            <a:pPr algn="ctr"/>
-            <a:r>
-              <a:rPr lang="en-US" sz="4000" b="1" dirty="0">
-                <a:latin typeface="Amasis MT Pro Black" panose="02040A04050005020304" pitchFamily="18" charset="0"/>
-              </a:rPr>
-              <a:t>Meet the Curious Conquerors</a:t>
-            </a:r>
-          </a:p>
-        </p:txBody>
-      </p:sp>
-      <p:sp>
-        <p:nvSpPr>
-          <p:cNvPr id="3" name="Content Placeholder 2">
-            <a:extLst>
-              <a:ext uri="{FF2B5EF4-FFF2-40B4-BE49-F238E27FC236}">
-                <a16:creationId xmlns:a16="http://schemas.microsoft.com/office/drawing/2014/main" id="{8992AE70-95A7-589A-9C38-2BD8FD60CBCC}"/>
-              </a:ext>
-            </a:extLst>
-          </p:cNvPr>
-          <p:cNvSpPr>
-            <a:spLocks noGrp="1"/>
-          </p:cNvSpPr>
-          <p:nvPr>
-            <p:ph idx="1"/>
-          </p:nvPr>
-        </p:nvSpPr>
-        <p:spPr>
-          <a:xfrm>
-            <a:off x="0" y="1910443"/>
-            <a:ext cx="5208104" cy="4760175"/>
-          </a:xfrm>
-        </p:spPr>
-        <p:txBody>
-          <a:bodyPr>
-            <a:normAutofit/>
-          </a:bodyPr>
-          <a:lstStyle/>
-          <a:p>
-            <a:pPr marL="0" indent="0">
-              <a:buNone/>
-            </a:pPr>
-            <a:r>
-              <a:rPr lang="en-US" sz="3200" dirty="0"/>
-              <a:t>Alisha</a:t>
-            </a:r>
-          </a:p>
-          <a:p>
-            <a:pPr lvl="1">
-              <a:buFont typeface="Wingdings" panose="05000000000000000000" pitchFamily="2" charset="2"/>
-              <a:buChar char="Ø"/>
-            </a:pPr>
-            <a:r>
-              <a:rPr lang="en-US" sz="2800" dirty="0"/>
-              <a:t>I am a mom of an 8 month old and another on the way.  My children’s father and I are engaged and plan to be married in October.</a:t>
-            </a:r>
-          </a:p>
-          <a:p>
-            <a:pPr lvl="1">
-              <a:buFont typeface="Wingdings" panose="05000000000000000000" pitchFamily="2" charset="2"/>
-              <a:buChar char="Ø"/>
-            </a:pPr>
-            <a:r>
-              <a:rPr lang="en-US" sz="2800" dirty="0"/>
-              <a:t>I currently work as a 911 dispatcher.  I am originally from Florida, and then lived in Colorado, Idaho, California, and now Texas.</a:t>
-            </a:r>
-          </a:p>
-          <a:p>
-            <a:pPr lvl="1">
-              <a:buFont typeface="Wingdings" panose="05000000000000000000" pitchFamily="2" charset="2"/>
-              <a:buChar char="ü"/>
-            </a:pPr>
-            <a:endParaRPr lang="en-US" sz="2800" dirty="0"/>
-          </a:p>
-        </p:txBody>
-      </p:sp>
-      <p:pic>
-        <p:nvPicPr>
-          <p:cNvPr id="5" name="Picture 4" descr="A picture containing person, wearing, glasses&#10;&#10;Description automatically generated">
-            <a:extLst>
-              <a:ext uri="{FF2B5EF4-FFF2-40B4-BE49-F238E27FC236}">
-                <a16:creationId xmlns:a16="http://schemas.microsoft.com/office/drawing/2014/main" id="{DE869985-A42C-94DE-45F7-FB233ABA826B}"/>
-              </a:ext>
-            </a:extLst>
-          </p:cNvPr>
-          <p:cNvPicPr>
-            <a:picLocks noChangeAspect="1"/>
-          </p:cNvPicPr>
-          <p:nvPr/>
-        </p:nvPicPr>
-        <p:blipFill>
-          <a:blip r:embed="rId2">
-            <a:extLst>
-              <a:ext uri="{28A0092B-C50C-407E-A947-70E740481C1C}">
-                <a14:useLocalDpi xmlns:a14="http://schemas.microsoft.com/office/drawing/2010/main" val="0"/>
-              </a:ext>
-            </a:extLst>
-          </a:blip>
-          <a:stretch>
-            <a:fillRect/>
-          </a:stretch>
-        </p:blipFill>
-        <p:spPr>
-          <a:xfrm rot="441001">
-            <a:off x="9291016" y="1719329"/>
-            <a:ext cx="2358887" cy="4785064"/>
-          </a:xfrm>
-          <a:prstGeom prst="rect">
-            <a:avLst/>
-          </a:prstGeom>
-        </p:spPr>
-      </p:pic>
-      <p:pic>
-        <p:nvPicPr>
-          <p:cNvPr id="8" name="Picture 7" descr="A picture containing text&#10;&#10;Description automatically generated">
-            <a:extLst>
-              <a:ext uri="{FF2B5EF4-FFF2-40B4-BE49-F238E27FC236}">
-                <a16:creationId xmlns:a16="http://schemas.microsoft.com/office/drawing/2014/main" id="{33CC6E39-104E-76CB-4D22-1B88E1B588EA}"/>
-              </a:ext>
-            </a:extLst>
-          </p:cNvPr>
-          <p:cNvPicPr>
-            <a:picLocks noChangeAspect="1"/>
-          </p:cNvPicPr>
-          <p:nvPr/>
-        </p:nvPicPr>
-        <p:blipFill rotWithShape="1">
-          <a:blip r:embed="rId3">
-            <a:extLst>
-              <a:ext uri="{28A0092B-C50C-407E-A947-70E740481C1C}">
-                <a14:useLocalDpi xmlns:a14="http://schemas.microsoft.com/office/drawing/2010/main" val="0"/>
-              </a:ext>
-            </a:extLst>
-          </a:blip>
-          <a:srcRect l="12163" t="27857" r="14076" b="21709"/>
-          <a:stretch/>
-        </p:blipFill>
-        <p:spPr>
-          <a:xfrm rot="21131134">
-            <a:off x="5413832" y="1758224"/>
-            <a:ext cx="2780917" cy="4077530"/>
-          </a:xfrm>
-          <a:prstGeom prst="rect">
-            <a:avLst/>
-          </a:prstGeom>
-        </p:spPr>
-      </p:pic>
-      <p:pic>
-        <p:nvPicPr>
-          <p:cNvPr id="4" name="Graphic 3" descr="Jail with solid fill">
-            <a:extLst>
-              <a:ext uri="{FF2B5EF4-FFF2-40B4-BE49-F238E27FC236}">
-                <a16:creationId xmlns:a16="http://schemas.microsoft.com/office/drawing/2014/main" id="{C09109DC-10E2-7CEA-1F77-F105EB648FBE}"/>
-              </a:ext>
-            </a:extLst>
-          </p:cNvPr>
-          <p:cNvPicPr>
-            <a:picLocks noChangeAspect="1"/>
-          </p:cNvPicPr>
-          <p:nvPr/>
-        </p:nvPicPr>
-        <p:blipFill>
-          <a:blip r:embed="rId4">
-            <a:extLst>
-              <a:ext uri="{28A0092B-C50C-407E-A947-70E740481C1C}">
-                <a14:useLocalDpi xmlns:a14="http://schemas.microsoft.com/office/drawing/2010/main" val="0"/>
-              </a:ext>
-              <a:ext uri="{96DAC541-7B7A-43D3-8B79-37D633B846F1}">
-                <asvg:svgBlip xmlns:asvg="http://schemas.microsoft.com/office/drawing/2016/SVG/main" r:embed="rId5"/>
-              </a:ext>
-            </a:extLst>
-          </a:blip>
-          <a:stretch>
-            <a:fillRect/>
-          </a:stretch>
-        </p:blipFill>
-        <p:spPr>
-          <a:xfrm>
-            <a:off x="11001632" y="32084"/>
-            <a:ext cx="1190367" cy="1190367"/>
-          </a:xfrm>
-          <a:prstGeom prst="rect">
-            <a:avLst/>
-          </a:prstGeom>
-        </p:spPr>
-      </p:pic>
-      <p:pic>
-        <p:nvPicPr>
-          <p:cNvPr id="6" name="Graphic 5" descr="Siren with solid fill">
-            <a:extLst>
-              <a:ext uri="{FF2B5EF4-FFF2-40B4-BE49-F238E27FC236}">
-                <a16:creationId xmlns:a16="http://schemas.microsoft.com/office/drawing/2014/main" id="{F0DFC0F3-EA85-105A-E436-6C6CDF4365FB}"/>
-              </a:ext>
-            </a:extLst>
-          </p:cNvPr>
-          <p:cNvPicPr>
-            <a:picLocks noChangeAspect="1"/>
-          </p:cNvPicPr>
-          <p:nvPr/>
-        </p:nvPicPr>
-        <p:blipFill>
-          <a:blip r:embed="rId6">
-            <a:extLst>
-              <a:ext uri="{28A0092B-C50C-407E-A947-70E740481C1C}">
-                <a14:useLocalDpi xmlns:a14="http://schemas.microsoft.com/office/drawing/2010/main" val="0"/>
-              </a:ext>
-              <a:ext uri="{96DAC541-7B7A-43D3-8B79-37D633B846F1}">
-                <asvg:svgBlip xmlns:asvg="http://schemas.microsoft.com/office/drawing/2016/SVG/main" r:embed="rId7"/>
-              </a:ext>
-            </a:extLst>
-          </a:blip>
-          <a:stretch>
-            <a:fillRect/>
-          </a:stretch>
-        </p:blipFill>
-        <p:spPr>
-          <a:xfrm>
-            <a:off x="0" y="-16902"/>
-            <a:ext cx="1375575" cy="1375575"/>
-          </a:xfrm>
-          <a:prstGeom prst="rect">
-            <a:avLst/>
-          </a:prstGeom>
-        </p:spPr>
-      </p:pic>
-    </p:spTree>
-    <p:extLst>
-      <p:ext uri="{BB962C8B-B14F-4D97-AF65-F5344CB8AC3E}">
-        <p14:creationId xmlns:p14="http://schemas.microsoft.com/office/powerpoint/2010/main" val="1604598879"/>
-      </p:ext>
-    </p:extLst>
-  </p:cSld>
-  <p:clrMapOvr>
-    <a:masterClrMapping/>
-  </p:clrMapOvr>
-  <mc:AlternateContent xmlns:mc="http://schemas.openxmlformats.org/markup-compatibility/2006" xmlns:p14="http://schemas.microsoft.com/office/powerpoint/2010/main">
-    <mc:Choice Requires="p14">
-      <p:transition spd="slow" p14:dur="1500">
-        <p:split orient="vert"/>
-      </p:transition>
-    </mc:Choice>
-    <mc:Fallback xmlns="">
-      <p:transition spd="slow">
-        <p:split orient="vert"/>
-      </p:transition>
-    </mc:Fallback>
-  </mc:AlternateContent>
-</p:sld>
-</file>
-
-<file path=ppt/slides/slide3.xml><?xml version="1.0" encoding="utf-8"?>
-<p:sld xmlns:a="http://schemas.openxmlformats.org/drawingml/2006/main" xmlns:r="http://schemas.openxmlformats.org/officeDocument/2006/relationships" xmlns:p="http://schemas.openxmlformats.org/presentationml/2006/main">
-  <p:cSld>
-    <p:spTree>
-      <p:nvGrpSpPr>
-        <p:cNvPr id="1" name=""/>
-        <p:cNvGrpSpPr/>
-        <p:nvPr/>
-      </p:nvGrpSpPr>
-      <p:grpSpPr>
-        <a:xfrm>
-          <a:off x="0" y="0"/>
-          <a:ext cx="0" cy="0"/>
-          <a:chOff x="0" y="0"/>
-          <a:chExt cx="0" cy="0"/>
-        </a:xfrm>
-      </p:grpSpPr>
-      <p:sp>
-        <p:nvSpPr>
-          <p:cNvPr id="2" name="Title 1">
-            <a:extLst>
-              <a:ext uri="{FF2B5EF4-FFF2-40B4-BE49-F238E27FC236}">
-                <a16:creationId xmlns:a16="http://schemas.microsoft.com/office/drawing/2014/main" id="{3FC40F1B-DAFF-AE30-7D4A-01EA1AB23990}"/>
-              </a:ext>
-            </a:extLst>
-          </p:cNvPr>
-          <p:cNvSpPr>
-            <a:spLocks noGrp="1"/>
-          </p:cNvSpPr>
-          <p:nvPr>
-            <p:ph type="title"/>
-          </p:nvPr>
-        </p:nvSpPr>
-        <p:spPr>
-          <a:xfrm>
-            <a:off x="1721540" y="32084"/>
-            <a:ext cx="8748920" cy="1092248"/>
-          </a:xfrm>
-        </p:spPr>
-        <p:txBody>
-          <a:bodyPr>
-            <a:normAutofit/>
-          </a:bodyPr>
-          <a:lstStyle/>
-          <a:p>
-            <a:pPr algn="ctr"/>
-            <a:r>
-              <a:rPr lang="en-US" sz="4000" b="1" dirty="0">
-                <a:latin typeface="Amasis MT Pro Black" panose="02040A04050005020304" pitchFamily="18" charset="0"/>
-              </a:rPr>
-              <a:t>Meet the Curious Conquerors</a:t>
-            </a:r>
-          </a:p>
-        </p:txBody>
-      </p:sp>
-      <p:sp>
-        <p:nvSpPr>
-          <p:cNvPr id="3" name="Content Placeholder 2">
-            <a:extLst>
-              <a:ext uri="{FF2B5EF4-FFF2-40B4-BE49-F238E27FC236}">
-                <a16:creationId xmlns:a16="http://schemas.microsoft.com/office/drawing/2014/main" id="{8992AE70-95A7-589A-9C38-2BD8FD60CBCC}"/>
-              </a:ext>
-            </a:extLst>
-          </p:cNvPr>
-          <p:cNvSpPr>
-            <a:spLocks noGrp="1"/>
-          </p:cNvSpPr>
-          <p:nvPr>
-            <p:ph idx="1"/>
-          </p:nvPr>
-        </p:nvSpPr>
-        <p:spPr>
-          <a:xfrm>
-            <a:off x="95250" y="1929296"/>
-            <a:ext cx="12001500" cy="3953030"/>
-          </a:xfrm>
-        </p:spPr>
-        <p:txBody>
-          <a:bodyPr>
-            <a:normAutofit/>
-          </a:bodyPr>
-          <a:lstStyle/>
-          <a:p>
-            <a:pPr marL="0" indent="0">
-              <a:buNone/>
-            </a:pPr>
-            <a:r>
-              <a:rPr lang="en-US" sz="3200" dirty="0"/>
-              <a:t>Lindsay</a:t>
-            </a:r>
-          </a:p>
-          <a:p>
-            <a:pPr lvl="1">
-              <a:buFont typeface="Wingdings" panose="05000000000000000000" pitchFamily="2" charset="2"/>
-              <a:buChar char="Ø"/>
-            </a:pPr>
-            <a:r>
-              <a:rPr lang="en-US" sz="2800" dirty="0"/>
-              <a:t>At Home:  I was born and raised in a small town in Northern Iowa. My hometown is where I still reside.  I am close to my family and friends. I do not have children, just 3 dogs and a lot of plants. </a:t>
-            </a:r>
-          </a:p>
-          <a:p>
-            <a:pPr lvl="1">
-              <a:buFont typeface="Wingdings" panose="05000000000000000000" pitchFamily="2" charset="2"/>
-              <a:buChar char="Ø"/>
-            </a:pPr>
-            <a:r>
-              <a:rPr lang="en-US" sz="2800" dirty="0"/>
-              <a:t>Personally: I am shy, creative, intuitive, and loves doing anything hands on.</a:t>
-            </a:r>
-          </a:p>
-          <a:p>
-            <a:pPr lvl="1">
-              <a:buFont typeface="Wingdings" panose="05000000000000000000" pitchFamily="2" charset="2"/>
-              <a:buChar char="Ø"/>
-            </a:pPr>
-            <a:r>
-              <a:rPr lang="en-US" sz="2800" dirty="0"/>
-              <a:t>At work: I work in customer service. I know how to communicate effectively to coworkers and managers when necessary. </a:t>
-            </a:r>
-          </a:p>
-          <a:p>
-            <a:pPr lvl="1">
-              <a:buFont typeface="Wingdings" panose="05000000000000000000" pitchFamily="2" charset="2"/>
-              <a:buChar char="Ø"/>
-            </a:pPr>
-            <a:r>
-              <a:rPr lang="en-US" sz="2800" dirty="0"/>
-              <a:t>My future: I have always had a drive for technology and have plans to pursue a technology based career down the road. </a:t>
-            </a:r>
-          </a:p>
-          <a:p>
-            <a:pPr lvl="1">
-              <a:buFont typeface="Wingdings" panose="05000000000000000000" pitchFamily="2" charset="2"/>
-              <a:buChar char="Ø"/>
-            </a:pPr>
-            <a:endParaRPr lang="en-US" sz="2800" dirty="0"/>
-          </a:p>
-          <a:p>
-            <a:pPr lvl="1">
-              <a:buFont typeface="Wingdings" panose="05000000000000000000" pitchFamily="2" charset="2"/>
-              <a:buChar char="ü"/>
-            </a:pPr>
-            <a:endParaRPr lang="en-US" sz="2800" dirty="0"/>
-          </a:p>
-        </p:txBody>
-      </p:sp>
-      <p:pic>
-        <p:nvPicPr>
-          <p:cNvPr id="6" name="Graphic 5" descr="Siren with solid fill">
-            <a:extLst>
-              <a:ext uri="{FF2B5EF4-FFF2-40B4-BE49-F238E27FC236}">
-                <a16:creationId xmlns:a16="http://schemas.microsoft.com/office/drawing/2014/main" id="{B00BED72-4170-ADA5-7A26-0E17B516B1AD}"/>
-              </a:ext>
-            </a:extLst>
-          </p:cNvPr>
-          <p:cNvPicPr>
-            <a:picLocks noChangeAspect="1"/>
-          </p:cNvPicPr>
-          <p:nvPr/>
-        </p:nvPicPr>
-        <p:blipFill>
-          <a:blip r:embed="rId2">
-            <a:extLst>
-              <a:ext uri="{28A0092B-C50C-407E-A947-70E740481C1C}">
-                <a14:useLocalDpi xmlns:a14="http://schemas.microsoft.com/office/drawing/2010/main" val="0"/>
-              </a:ext>
-              <a:ext uri="{96DAC541-7B7A-43D3-8B79-37D633B846F1}">
-                <asvg:svgBlip xmlns:asvg="http://schemas.microsoft.com/office/drawing/2016/SVG/main" r:embed="rId3"/>
-              </a:ext>
-            </a:extLst>
-          </a:blip>
-          <a:stretch>
-            <a:fillRect/>
-          </a:stretch>
-        </p:blipFill>
-        <p:spPr>
-          <a:xfrm>
-            <a:off x="0" y="-16902"/>
-            <a:ext cx="1375575" cy="1375575"/>
-          </a:xfrm>
-          <a:prstGeom prst="rect">
-            <a:avLst/>
-          </a:prstGeom>
-        </p:spPr>
-      </p:pic>
-      <p:pic>
-        <p:nvPicPr>
-          <p:cNvPr id="7" name="Graphic 6" descr="Jail with solid fill">
-            <a:extLst>
-              <a:ext uri="{FF2B5EF4-FFF2-40B4-BE49-F238E27FC236}">
-                <a16:creationId xmlns:a16="http://schemas.microsoft.com/office/drawing/2014/main" id="{DF4CEA17-009E-B3C3-D5E8-00EC77BE9781}"/>
-              </a:ext>
-            </a:extLst>
-          </p:cNvPr>
-          <p:cNvPicPr>
-            <a:picLocks noChangeAspect="1"/>
-          </p:cNvPicPr>
-          <p:nvPr/>
-        </p:nvPicPr>
-        <p:blipFill>
-          <a:blip r:embed="rId4">
-            <a:extLst>
-              <a:ext uri="{28A0092B-C50C-407E-A947-70E740481C1C}">
-                <a14:useLocalDpi xmlns:a14="http://schemas.microsoft.com/office/drawing/2010/main" val="0"/>
-              </a:ext>
-              <a:ext uri="{96DAC541-7B7A-43D3-8B79-37D633B846F1}">
-                <asvg:svgBlip xmlns:asvg="http://schemas.microsoft.com/office/drawing/2016/SVG/main" r:embed="rId5"/>
-              </a:ext>
-            </a:extLst>
-          </a:blip>
-          <a:stretch>
-            <a:fillRect/>
-          </a:stretch>
-        </p:blipFill>
-        <p:spPr>
-          <a:xfrm>
-            <a:off x="11001633" y="0"/>
-            <a:ext cx="1190367" cy="1190367"/>
-          </a:xfrm>
-          <a:prstGeom prst="rect">
-            <a:avLst/>
-          </a:prstGeom>
-        </p:spPr>
-      </p:pic>
-    </p:spTree>
-    <p:extLst>
-      <p:ext uri="{BB962C8B-B14F-4D97-AF65-F5344CB8AC3E}">
-        <p14:creationId xmlns:p14="http://schemas.microsoft.com/office/powerpoint/2010/main" val="2548099058"/>
-      </p:ext>
-    </p:extLst>
-  </p:cSld>
-  <p:clrMapOvr>
-    <a:masterClrMapping/>
-  </p:clrMapOvr>
-  <mc:AlternateContent xmlns:mc="http://schemas.openxmlformats.org/markup-compatibility/2006" xmlns:p14="http://schemas.microsoft.com/office/powerpoint/2010/main">
-    <mc:Choice Requires="p14">
-      <p:transition spd="slow" p14:dur="1500">
-        <p:split orient="vert"/>
-      </p:transition>
-    </mc:Choice>
-    <mc:Fallback xmlns="">
-      <p:transition spd="slow">
-        <p:split orient="vert"/>
-      </p:transition>
-    </mc:Fallback>
-  </mc:AlternateContent>
-</p:sld>
-</file>
-
-<file path=ppt/slides/slide4.xml><?xml version="1.0" encoding="utf-8"?>
-<p:sld xmlns:a="http://schemas.openxmlformats.org/drawingml/2006/main" xmlns:r="http://schemas.openxmlformats.org/officeDocument/2006/relationships" xmlns:p="http://schemas.openxmlformats.org/presentationml/2006/main">
-  <p:cSld>
-    <p:spTree>
-      <p:nvGrpSpPr>
-        <p:cNvPr id="1" name=""/>
-        <p:cNvGrpSpPr/>
-        <p:nvPr/>
-      </p:nvGrpSpPr>
-      <p:grpSpPr>
-        <a:xfrm>
-          <a:off x="0" y="0"/>
-          <a:ext cx="0" cy="0"/>
-          <a:chOff x="0" y="0"/>
-          <a:chExt cx="0" cy="0"/>
-        </a:xfrm>
-      </p:grpSpPr>
-      <p:sp>
-        <p:nvSpPr>
-          <p:cNvPr id="2" name="Title 1">
-            <a:extLst>
-              <a:ext uri="{FF2B5EF4-FFF2-40B4-BE49-F238E27FC236}">
-                <a16:creationId xmlns:a16="http://schemas.microsoft.com/office/drawing/2014/main" id="{3FC40F1B-DAFF-AE30-7D4A-01EA1AB23990}"/>
-              </a:ext>
-            </a:extLst>
-          </p:cNvPr>
-          <p:cNvSpPr>
-            <a:spLocks noGrp="1"/>
-          </p:cNvSpPr>
-          <p:nvPr>
-            <p:ph type="title"/>
-          </p:nvPr>
-        </p:nvSpPr>
-        <p:spPr>
-          <a:xfrm>
-            <a:off x="1721540" y="32084"/>
-            <a:ext cx="8748920" cy="1141234"/>
-          </a:xfrm>
-        </p:spPr>
-        <p:txBody>
-          <a:bodyPr>
-            <a:normAutofit/>
-          </a:bodyPr>
-          <a:lstStyle/>
-          <a:p>
-            <a:pPr algn="ctr"/>
-            <a:r>
-              <a:rPr lang="en-US" sz="4000" b="1" dirty="0">
-                <a:latin typeface="Amasis MT Pro Black" panose="02040A04050005020304" pitchFamily="18" charset="0"/>
-              </a:rPr>
-              <a:t>Meet the Curious Conquerors</a:t>
-            </a:r>
-          </a:p>
-        </p:txBody>
-      </p:sp>
-      <p:sp>
-        <p:nvSpPr>
-          <p:cNvPr id="3" name="Content Placeholder 2">
-            <a:extLst>
-              <a:ext uri="{FF2B5EF4-FFF2-40B4-BE49-F238E27FC236}">
-                <a16:creationId xmlns:a16="http://schemas.microsoft.com/office/drawing/2014/main" id="{8992AE70-95A7-589A-9C38-2BD8FD60CBCC}"/>
-              </a:ext>
-            </a:extLst>
-          </p:cNvPr>
-          <p:cNvSpPr>
-            <a:spLocks noGrp="1"/>
-          </p:cNvSpPr>
-          <p:nvPr>
-            <p:ph idx="1"/>
-          </p:nvPr>
-        </p:nvSpPr>
-        <p:spPr>
-          <a:xfrm>
-            <a:off x="37214" y="1261856"/>
-            <a:ext cx="12001500" cy="5596143"/>
-          </a:xfrm>
-        </p:spPr>
-        <p:txBody>
-          <a:bodyPr>
-            <a:normAutofit lnSpcReduction="10000"/>
-          </a:bodyPr>
-          <a:lstStyle/>
-          <a:p>
-            <a:pPr marL="0" indent="0" algn="ctr">
-              <a:buNone/>
-            </a:pPr>
-            <a:r>
-              <a:rPr lang="en-US" sz="4400" b="1" dirty="0"/>
-              <a:t>Mischa</a:t>
-            </a:r>
-          </a:p>
-          <a:p>
-            <a:pPr lvl="1">
-              <a:buFont typeface="Wingdings" panose="05000000000000000000" pitchFamily="2" charset="2"/>
-              <a:buChar char="Ø"/>
-            </a:pPr>
-            <a:r>
-              <a:rPr lang="en-US" dirty="0"/>
-              <a:t>First meet</a:t>
-            </a:r>
-          </a:p>
-          <a:p>
-            <a:pPr lvl="2">
-              <a:buFont typeface="Wingdings" panose="05000000000000000000" pitchFamily="2" charset="2"/>
-              <a:buChar char="Ø"/>
-            </a:pPr>
-            <a:r>
-              <a:rPr lang="en-US" dirty="0"/>
-              <a:t>Nervous, Shy, goofy, fast</a:t>
-            </a:r>
-          </a:p>
-          <a:p>
-            <a:pPr lvl="1">
-              <a:buFont typeface="Wingdings" panose="05000000000000000000" pitchFamily="2" charset="2"/>
-              <a:buChar char="Ø"/>
-            </a:pPr>
-            <a:r>
-              <a:rPr lang="en-US" dirty="0"/>
-              <a:t>At work</a:t>
-            </a:r>
-          </a:p>
-          <a:p>
-            <a:pPr lvl="2">
-              <a:buFont typeface="Wingdings" panose="05000000000000000000" pitchFamily="2" charset="2"/>
-              <a:buChar char="Ø"/>
-            </a:pPr>
-            <a:r>
-              <a:rPr lang="en-US" dirty="0"/>
-              <a:t>I am known to be every team’s go-to training and know-how expert.</a:t>
-            </a:r>
-          </a:p>
-          <a:p>
-            <a:pPr lvl="2">
-              <a:buFont typeface="Wingdings" panose="05000000000000000000" pitchFamily="2" charset="2"/>
-              <a:buChar char="Ø"/>
-            </a:pPr>
-            <a:r>
-              <a:rPr lang="en-US" dirty="0"/>
-              <a:t>Direct, formal, confident</a:t>
-            </a:r>
-          </a:p>
-          <a:p>
-            <a:pPr lvl="1">
-              <a:buFont typeface="Wingdings" panose="05000000000000000000" pitchFamily="2" charset="2"/>
-              <a:buChar char="Ø"/>
-            </a:pPr>
-            <a:r>
-              <a:rPr lang="en-US" sz="2800" dirty="0"/>
-              <a:t>At Home</a:t>
-            </a:r>
-          </a:p>
-          <a:p>
-            <a:pPr lvl="2">
-              <a:buFont typeface="Wingdings" panose="05000000000000000000" pitchFamily="2" charset="2"/>
-              <a:buChar char="Ø"/>
-            </a:pPr>
-            <a:r>
-              <a:rPr lang="en-US" sz="2400" dirty="0"/>
-              <a:t>I inspire my two daughters </a:t>
-            </a:r>
-          </a:p>
-          <a:p>
-            <a:pPr lvl="3">
-              <a:buFont typeface="Wingdings" panose="05000000000000000000" pitchFamily="2" charset="2"/>
-              <a:buChar char="Ø"/>
-            </a:pPr>
-            <a:r>
-              <a:rPr lang="en-US" sz="2200" dirty="0"/>
-              <a:t>by modeling: 	</a:t>
-            </a:r>
-          </a:p>
-          <a:p>
-            <a:pPr lvl="4">
-              <a:buFont typeface="Wingdings" panose="05000000000000000000" pitchFamily="2" charset="2"/>
-              <a:buChar char="Ø"/>
-            </a:pPr>
-            <a:r>
-              <a:rPr lang="en-US" sz="2200" dirty="0"/>
-              <a:t>Student</a:t>
-            </a:r>
-          </a:p>
-          <a:p>
-            <a:pPr lvl="4">
-              <a:buFont typeface="Wingdings" panose="05000000000000000000" pitchFamily="2" charset="2"/>
-              <a:buChar char="Ø"/>
-            </a:pPr>
-            <a:r>
-              <a:rPr lang="en-US" sz="2200" dirty="0"/>
-              <a:t>Family Member</a:t>
-            </a:r>
-          </a:p>
-          <a:p>
-            <a:pPr lvl="4">
-              <a:buFont typeface="Wingdings" panose="05000000000000000000" pitchFamily="2" charset="2"/>
-              <a:buChar char="Ø"/>
-            </a:pPr>
-            <a:r>
-              <a:rPr lang="en-US" sz="2200" dirty="0"/>
-              <a:t>Fulfilling Career</a:t>
-            </a:r>
-            <a:endParaRPr lang="en-US" sz="2800" dirty="0"/>
-          </a:p>
-          <a:p>
-            <a:pPr lvl="1">
-              <a:buFont typeface="Wingdings" panose="05000000000000000000" pitchFamily="2" charset="2"/>
-              <a:buChar char="Ø"/>
-            </a:pPr>
-            <a:r>
-              <a:rPr lang="en-US" sz="2800" dirty="0"/>
-              <a:t>Motivation</a:t>
-            </a:r>
-          </a:p>
-          <a:p>
-            <a:pPr lvl="2">
-              <a:buFont typeface="Wingdings" panose="05000000000000000000" pitchFamily="2" charset="2"/>
-              <a:buChar char="Ø"/>
-            </a:pPr>
-            <a:r>
-              <a:rPr lang="en-US" sz="2400" dirty="0"/>
-              <a:t>Love for information and a better understanding of data to improve life.</a:t>
-            </a:r>
-          </a:p>
-          <a:p>
-            <a:pPr lvl="1">
-              <a:buFont typeface="Wingdings" panose="05000000000000000000" pitchFamily="2" charset="2"/>
-              <a:buChar char="Ø"/>
-            </a:pPr>
-            <a:endParaRPr lang="en-US" sz="2800" dirty="0"/>
-          </a:p>
-        </p:txBody>
-      </p:sp>
-      <p:pic>
-        <p:nvPicPr>
-          <p:cNvPr id="7" name="Graphic 6" descr="Siren with solid fill">
-            <a:extLst>
-              <a:ext uri="{FF2B5EF4-FFF2-40B4-BE49-F238E27FC236}">
-                <a16:creationId xmlns:a16="http://schemas.microsoft.com/office/drawing/2014/main" id="{338C5D1E-7759-8148-2648-975F522D49AD}"/>
-              </a:ext>
-            </a:extLst>
-          </p:cNvPr>
-          <p:cNvPicPr>
-            <a:picLocks noChangeAspect="1"/>
-          </p:cNvPicPr>
-          <p:nvPr/>
-        </p:nvPicPr>
-        <p:blipFill>
-          <a:blip r:embed="rId2">
-            <a:extLst>
-              <a:ext uri="{28A0092B-C50C-407E-A947-70E740481C1C}">
-                <a14:useLocalDpi xmlns:a14="http://schemas.microsoft.com/office/drawing/2010/main" val="0"/>
-              </a:ext>
-              <a:ext uri="{96DAC541-7B7A-43D3-8B79-37D633B846F1}">
-                <asvg:svgBlip xmlns:asvg="http://schemas.microsoft.com/office/drawing/2016/SVG/main" r:embed="rId3"/>
-              </a:ext>
-            </a:extLst>
-          </a:blip>
-          <a:stretch>
-            <a:fillRect/>
-          </a:stretch>
-        </p:blipFill>
-        <p:spPr>
-          <a:xfrm>
-            <a:off x="37214" y="0"/>
-            <a:ext cx="1375575" cy="1375575"/>
-          </a:xfrm>
-          <a:prstGeom prst="rect">
-            <a:avLst/>
-          </a:prstGeom>
-        </p:spPr>
-      </p:pic>
-      <p:pic>
-        <p:nvPicPr>
-          <p:cNvPr id="9" name="Graphic 8" descr="Jail with solid fill">
-            <a:extLst>
-              <a:ext uri="{FF2B5EF4-FFF2-40B4-BE49-F238E27FC236}">
-                <a16:creationId xmlns:a16="http://schemas.microsoft.com/office/drawing/2014/main" id="{52C77B80-8713-0A0C-B6FF-E73F3738C9B3}"/>
-              </a:ext>
-            </a:extLst>
-          </p:cNvPr>
-          <p:cNvPicPr>
-            <a:picLocks noChangeAspect="1"/>
-          </p:cNvPicPr>
-          <p:nvPr/>
-        </p:nvPicPr>
-        <p:blipFill>
-          <a:blip r:embed="rId4">
-            <a:extLst>
-              <a:ext uri="{28A0092B-C50C-407E-A947-70E740481C1C}">
-                <a14:useLocalDpi xmlns:a14="http://schemas.microsoft.com/office/drawing/2010/main" val="0"/>
-              </a:ext>
-              <a:ext uri="{96DAC541-7B7A-43D3-8B79-37D633B846F1}">
-                <asvg:svgBlip xmlns:asvg="http://schemas.microsoft.com/office/drawing/2016/SVG/main" r:embed="rId5"/>
-              </a:ext>
-            </a:extLst>
-          </a:blip>
-          <a:stretch>
-            <a:fillRect/>
-          </a:stretch>
-        </p:blipFill>
-        <p:spPr>
-          <a:xfrm>
-            <a:off x="10964419" y="27220"/>
-            <a:ext cx="1190367" cy="1190367"/>
-          </a:xfrm>
-          <a:prstGeom prst="rect">
-            <a:avLst/>
-          </a:prstGeom>
-        </p:spPr>
-      </p:pic>
-    </p:spTree>
-    <p:extLst>
-      <p:ext uri="{BB962C8B-B14F-4D97-AF65-F5344CB8AC3E}">
-        <p14:creationId xmlns:p14="http://schemas.microsoft.com/office/powerpoint/2010/main" val="2306386016"/>
-      </p:ext>
-    </p:extLst>
-  </p:cSld>
-  <p:clrMapOvr>
-    <a:masterClrMapping/>
-  </p:clrMapOvr>
-  <mc:AlternateContent xmlns:mc="http://schemas.openxmlformats.org/markup-compatibility/2006" xmlns:p14="http://schemas.microsoft.com/office/powerpoint/2010/main">
-    <mc:Choice Requires="p14">
-      <p:transition spd="slow" p14:dur="1500">
-        <p:split orient="vert"/>
-      </p:transition>
-    </mc:Choice>
-    <mc:Fallback xmlns="">
-      <p:transition spd="slow">
-        <p:split orient="vert"/>
-      </p:transition>
-    </mc:Fallback>
-  </mc:AlternateContent>
-</p:sld>
-</file>
-
-<file path=ppt/slides/slide5.xml><?xml version="1.0" encoding="utf-8"?>
+<file path=ppt/slides/slide16.xml><?xml version="1.0" encoding="utf-8"?>
 <p:sld xmlns:a="http://schemas.openxmlformats.org/drawingml/2006/main" xmlns:r="http://schemas.openxmlformats.org/officeDocument/2006/relationships" xmlns:p="http://schemas.openxmlformats.org/presentationml/2006/main">
   <p:cSld>
     <p:bg>
@@ -8587,11 +6889,2337 @@
           </a:bodyPr>
           <a:lstStyle/>
           <a:p>
+            <a:pPr algn="ctr"/>
             <a:r>
               <a:rPr lang="en-US" b="1" dirty="0">
                 <a:latin typeface="Amasis MT Pro Black" panose="02040A04050005020304" pitchFamily="18" charset="0"/>
               </a:rPr>
-              <a:t>Why Law Enforcement vs prison rates?</a:t>
+              <a:t>Conclusion</a:t>
+            </a:r>
+          </a:p>
+        </p:txBody>
+      </p:sp>
+      <p:sp>
+        <p:nvSpPr>
+          <p:cNvPr id="47" name="Content Placeholder 2">
+            <a:extLst>
+              <a:ext uri="{FF2B5EF4-FFF2-40B4-BE49-F238E27FC236}">
+                <a16:creationId xmlns:a16="http://schemas.microsoft.com/office/drawing/2014/main" id="{C24E1552-1C4C-C6BF-1A13-252630DB7DF2}"/>
+              </a:ext>
+            </a:extLst>
+          </p:cNvPr>
+          <p:cNvSpPr>
+            <a:spLocks noGrp="1"/>
+          </p:cNvSpPr>
+          <p:nvPr>
+            <p:ph idx="1"/>
+          </p:nvPr>
+        </p:nvSpPr>
+        <p:spPr>
+          <a:xfrm>
+            <a:off x="1045028" y="3017522"/>
+            <a:ext cx="9941319" cy="3124658"/>
+          </a:xfrm>
+        </p:spPr>
+        <p:txBody>
+          <a:bodyPr anchor="ctr">
+            <a:normAutofit/>
+          </a:bodyPr>
+          <a:lstStyle/>
+          <a:p>
+            <a:pPr algn="ctr">
+              <a:buFont typeface="Wingdings" panose="05000000000000000000" pitchFamily="2" charset="2"/>
+              <a:buChar char="Ø"/>
+            </a:pPr>
+            <a:r>
+              <a:rPr lang="en-US" sz="3200" dirty="0">
+                <a:latin typeface="Calibri" panose="020F0502020204030204" pitchFamily="34" charset="0"/>
+                <a:ea typeface="Calibri" panose="020F0502020204030204" pitchFamily="34" charset="0"/>
+                <a:cs typeface="Times New Roman" panose="02020603050405020304" pitchFamily="18" charset="0"/>
+              </a:rPr>
+              <a:t>We enjoyed working on this project as a team and as individuals</a:t>
+            </a:r>
+          </a:p>
+          <a:p>
+            <a:pPr algn="ctr">
+              <a:buFont typeface="Wingdings" panose="05000000000000000000" pitchFamily="2" charset="2"/>
+              <a:buChar char="Ø"/>
+            </a:pPr>
+            <a:r>
+              <a:rPr lang="en-US" sz="3200" dirty="0">
+                <a:latin typeface="Calibri" panose="020F0502020204030204" pitchFamily="34" charset="0"/>
+                <a:ea typeface="Calibri" panose="020F0502020204030204" pitchFamily="34" charset="0"/>
+                <a:cs typeface="Times New Roman" panose="02020603050405020304" pitchFamily="18" charset="0"/>
+              </a:rPr>
+              <a:t>Showing our abilities to use various platforms to wrangle and analyze the data we found</a:t>
+            </a:r>
+          </a:p>
+          <a:p>
+            <a:pPr algn="ctr">
+              <a:buFont typeface="Wingdings" panose="05000000000000000000" pitchFamily="2" charset="2"/>
+              <a:buChar char="Ø"/>
+            </a:pPr>
+            <a:r>
+              <a:rPr lang="en-US" sz="3200" dirty="0">
+                <a:latin typeface="Calibri" panose="020F0502020204030204" pitchFamily="34" charset="0"/>
+                <a:ea typeface="Calibri" panose="020F0502020204030204" pitchFamily="34" charset="0"/>
+                <a:cs typeface="Times New Roman" panose="02020603050405020304" pitchFamily="18" charset="0"/>
+              </a:rPr>
+              <a:t>Ultimately, the results we found weren’t too surprising at were generally what you would expect to find.</a:t>
+            </a:r>
+          </a:p>
+        </p:txBody>
+      </p:sp>
+      <p:cxnSp>
+        <p:nvCxnSpPr>
+          <p:cNvPr id="34" name="Straight Connector 33">
+            <a:extLst>
+              <a:ext uri="{FF2B5EF4-FFF2-40B4-BE49-F238E27FC236}">
+                <a16:creationId xmlns:a16="http://schemas.microsoft.com/office/drawing/2014/main" id="{6CF1BAF6-AD41-4082-B212-8A1F9A2E8779}"/>
+              </a:ext>
+              <a:ext uri="{C183D7F6-B498-43B3-948B-1728B52AA6E4}">
+                <adec:decorative xmlns:adec="http://schemas.microsoft.com/office/drawing/2017/decorative" val="1"/>
+              </a:ext>
+            </a:extLst>
+          </p:cNvPr>
+          <p:cNvCxnSpPr>
+            <a:cxnSpLocks noGrp="1" noRot="1" noChangeAspect="1" noMove="1" noResize="1" noEditPoints="1" noAdjustHandles="1" noChangeArrowheads="1" noChangeShapeType="1"/>
+          </p:cNvCxnSpPr>
+          <p:nvPr>
+            <p:extLst>
+              <p:ext uri="{386F3935-93C4-4BCD-93E2-E3B085C9AB24}">
+                <p16:designElem xmlns:p16="http://schemas.microsoft.com/office/powerpoint/2015/main" val="1"/>
+              </p:ext>
+            </p:extLst>
+          </p:nvPr>
+        </p:nvCxnSpPr>
+        <p:spPr>
+          <a:xfrm flipH="1">
+            <a:off x="838200" y="6485313"/>
+            <a:ext cx="10515600" cy="0"/>
+          </a:xfrm>
+          <a:prstGeom prst="line">
+            <a:avLst/>
+          </a:prstGeom>
+          <a:ln w="57150">
+            <a:solidFill>
+              <a:schemeClr val="accent4"/>
+            </a:solidFill>
+          </a:ln>
+        </p:spPr>
+        <p:style>
+          <a:lnRef idx="1">
+            <a:schemeClr val="accent1"/>
+          </a:lnRef>
+          <a:fillRef idx="0">
+            <a:schemeClr val="accent1"/>
+          </a:fillRef>
+          <a:effectRef idx="0">
+            <a:schemeClr val="accent1"/>
+          </a:effectRef>
+          <a:fontRef idx="minor">
+            <a:schemeClr val="tx1"/>
+          </a:fontRef>
+        </p:style>
+      </p:cxnSp>
+    </p:spTree>
+    <p:extLst>
+      <p:ext uri="{BB962C8B-B14F-4D97-AF65-F5344CB8AC3E}">
+        <p14:creationId xmlns:p14="http://schemas.microsoft.com/office/powerpoint/2010/main" val="2596108182"/>
+      </p:ext>
+    </p:extLst>
+  </p:cSld>
+  <p:clrMapOvr>
+    <a:masterClrMapping/>
+  </p:clrMapOvr>
+  <p:transition spd="slow">
+    <p:push dir="u"/>
+  </p:transition>
+</p:sld>
+</file>
+
+<file path=ppt/slides/slide17.xml><?xml version="1.0" encoding="utf-8"?>
+<p:sld xmlns:a="http://schemas.openxmlformats.org/drawingml/2006/main" xmlns:r="http://schemas.openxmlformats.org/officeDocument/2006/relationships" xmlns:p="http://schemas.openxmlformats.org/presentationml/2006/main">
+  <p:cSld>
+    <p:bg>
+      <p:bgPr>
+        <a:solidFill>
+          <a:schemeClr val="bg1"/>
+        </a:solidFill>
+        <a:effectLst/>
+      </p:bgPr>
+    </p:bg>
+    <p:spTree>
+      <p:nvGrpSpPr>
+        <p:cNvPr id="1" name=""/>
+        <p:cNvGrpSpPr/>
+        <p:nvPr/>
+      </p:nvGrpSpPr>
+      <p:grpSpPr>
+        <a:xfrm>
+          <a:off x="0" y="0"/>
+          <a:ext cx="0" cy="0"/>
+          <a:chOff x="0" y="0"/>
+          <a:chExt cx="0" cy="0"/>
+        </a:xfrm>
+      </p:grpSpPr>
+      <p:sp useBgFill="1">
+        <p:nvSpPr>
+          <p:cNvPr id="44" name="Rectangle 24">
+            <a:extLst>
+              <a:ext uri="{FF2B5EF4-FFF2-40B4-BE49-F238E27FC236}">
+                <a16:creationId xmlns:a16="http://schemas.microsoft.com/office/drawing/2014/main" id="{B6CDA21F-E7AF-4C75-8395-33F58D5B0E45}"/>
+              </a:ext>
+              <a:ext uri="{C183D7F6-B498-43B3-948B-1728B52AA6E4}">
+                <adec:decorative xmlns:adec="http://schemas.microsoft.com/office/drawing/2017/decorative" val="1"/>
+              </a:ext>
+            </a:extLst>
+          </p:cNvPr>
+          <p:cNvSpPr>
+            <a:spLocks noGrp="1" noRot="1" noChangeAspect="1" noMove="1" noResize="1" noEditPoints="1" noAdjustHandles="1" noChangeArrowheads="1" noChangeShapeType="1" noTextEdit="1"/>
+          </p:cNvSpPr>
+          <p:nvPr>
+            <p:extLst>
+              <p:ext uri="{386F3935-93C4-4BCD-93E2-E3B085C9AB24}">
+                <p16:designElem xmlns:p16="http://schemas.microsoft.com/office/powerpoint/2015/main" val="1"/>
+              </p:ext>
+            </p:extLst>
+          </p:nvPr>
+        </p:nvSpPr>
+        <p:spPr>
+          <a:xfrm>
+            <a:off x="0" y="0"/>
+            <a:ext cx="12191999" cy="6857365"/>
+          </a:xfrm>
+          <a:prstGeom prst="rect">
+            <a:avLst/>
+          </a:prstGeom>
+          <a:ln>
+            <a:noFill/>
+          </a:ln>
+        </p:spPr>
+        <p:style>
+          <a:lnRef idx="2">
+            <a:schemeClr val="accent1">
+              <a:shade val="50000"/>
+            </a:schemeClr>
+          </a:lnRef>
+          <a:fillRef idx="1">
+            <a:schemeClr val="accent1"/>
+          </a:fillRef>
+          <a:effectRef idx="0">
+            <a:schemeClr val="accent1"/>
+          </a:effectRef>
+          <a:fontRef idx="minor">
+            <a:schemeClr val="lt1"/>
+          </a:fontRef>
+        </p:style>
+        <p:txBody>
+          <a:bodyPr rtlCol="0" anchor="ctr"/>
+          <a:lstStyle/>
+          <a:p>
+            <a:pPr algn="ctr"/>
+            <a:endParaRPr lang="en-US"/>
+          </a:p>
+        </p:txBody>
+      </p:sp>
+      <p:grpSp>
+        <p:nvGrpSpPr>
+          <p:cNvPr id="45" name="Group 26">
+            <a:extLst>
+              <a:ext uri="{FF2B5EF4-FFF2-40B4-BE49-F238E27FC236}">
+                <a16:creationId xmlns:a16="http://schemas.microsoft.com/office/drawing/2014/main" id="{AE1C45F0-260A-458C-96ED-C1F6D2151219}"/>
+              </a:ext>
+              <a:ext uri="{C183D7F6-B498-43B3-948B-1728B52AA6E4}">
+                <adec:decorative xmlns:adec="http://schemas.microsoft.com/office/drawing/2017/decorative" val="1"/>
+              </a:ext>
+            </a:extLst>
+          </p:cNvPr>
+          <p:cNvGrpSpPr>
+            <a:grpSpLocks noGrp="1" noUngrp="1" noRot="1" noChangeAspect="1" noMove="1" noResize="1"/>
+          </p:cNvGrpSpPr>
+          <p:nvPr>
+            <p:extLst>
+              <p:ext uri="{386F3935-93C4-4BCD-93E2-E3B085C9AB24}">
+                <p16:designElem xmlns:p16="http://schemas.microsoft.com/office/powerpoint/2015/main" val="1"/>
+              </p:ext>
+            </p:extLst>
+          </p:nvPr>
+        </p:nvGrpSpPr>
+        <p:grpSpPr>
+          <a:xfrm>
+            <a:off x="4" y="1216597"/>
+            <a:ext cx="731521" cy="673460"/>
+            <a:chOff x="3940602" y="308034"/>
+            <a:chExt cx="2116791" cy="3428999"/>
+          </a:xfrm>
+          <a:solidFill>
+            <a:schemeClr val="accent4"/>
+          </a:solidFill>
+        </p:grpSpPr>
+        <p:sp>
+          <p:nvSpPr>
+            <p:cNvPr id="28" name="Rectangle 27">
+              <a:extLst>
+                <a:ext uri="{FF2B5EF4-FFF2-40B4-BE49-F238E27FC236}">
+                  <a16:creationId xmlns:a16="http://schemas.microsoft.com/office/drawing/2014/main" id="{A6604B49-AD5C-4590-B051-06C8222ECD99}"/>
+                </a:ext>
+                <a:ext uri="{C183D7F6-B498-43B3-948B-1728B52AA6E4}">
+                  <adec:decorative xmlns:adec="http://schemas.microsoft.com/office/drawing/2017/decorative" val="1"/>
+                </a:ext>
+              </a:extLst>
+            </p:cNvPr>
+            <p:cNvSpPr/>
+            <p:nvPr>
+              <p:extLst>
+                <p:ext uri="{386F3935-93C4-4BCD-93E2-E3B085C9AB24}">
+                  <p16:designElem xmlns:p16="http://schemas.microsoft.com/office/powerpoint/2015/main" val="1"/>
+                </p:ext>
+              </p:extLst>
+            </p:nvPr>
+          </p:nvSpPr>
+          <p:spPr>
+            <a:xfrm>
+              <a:off x="3940602" y="308034"/>
+              <a:ext cx="566743" cy="3428999"/>
+            </a:xfrm>
+            <a:prstGeom prst="rect">
+              <a:avLst/>
+            </a:prstGeom>
+            <a:grpFill/>
+            <a:ln>
+              <a:noFill/>
+            </a:ln>
+          </p:spPr>
+          <p:style>
+            <a:lnRef idx="2">
+              <a:schemeClr val="accent1">
+                <a:shade val="50000"/>
+              </a:schemeClr>
+            </a:lnRef>
+            <a:fillRef idx="1">
+              <a:schemeClr val="accent1"/>
+            </a:fillRef>
+            <a:effectRef idx="0">
+              <a:schemeClr val="accent1"/>
+            </a:effectRef>
+            <a:fontRef idx="minor">
+              <a:schemeClr val="lt1"/>
+            </a:fontRef>
+          </p:style>
+          <p:txBody>
+            <a:bodyPr rtlCol="0" anchor="ctr"/>
+            <a:lstStyle/>
+            <a:p>
+              <a:pPr algn="ctr"/>
+              <a:endParaRPr lang="en-US"/>
+            </a:p>
+          </p:txBody>
+        </p:sp>
+        <p:sp>
+          <p:nvSpPr>
+            <p:cNvPr id="46" name="Rectangle 28">
+              <a:extLst>
+                <a:ext uri="{FF2B5EF4-FFF2-40B4-BE49-F238E27FC236}">
+                  <a16:creationId xmlns:a16="http://schemas.microsoft.com/office/drawing/2014/main" id="{743ECCAF-29C5-4537-947C-7EA1292463DB}"/>
+                </a:ext>
+                <a:ext uri="{C183D7F6-B498-43B3-948B-1728B52AA6E4}">
+                  <adec:decorative xmlns:adec="http://schemas.microsoft.com/office/drawing/2017/decorative" val="1"/>
+                </a:ext>
+              </a:extLst>
+            </p:cNvPr>
+            <p:cNvSpPr/>
+            <p:nvPr>
+              <p:extLst>
+                <p:ext uri="{386F3935-93C4-4BCD-93E2-E3B085C9AB24}">
+                  <p16:designElem xmlns:p16="http://schemas.microsoft.com/office/powerpoint/2015/main" val="1"/>
+                </p:ext>
+              </p:extLst>
+            </p:nvPr>
+          </p:nvSpPr>
+          <p:spPr>
+            <a:xfrm>
+              <a:off x="4715626" y="308034"/>
+              <a:ext cx="566743" cy="3428999"/>
+            </a:xfrm>
+            <a:prstGeom prst="rect">
+              <a:avLst/>
+            </a:prstGeom>
+            <a:grpFill/>
+            <a:ln>
+              <a:noFill/>
+            </a:ln>
+          </p:spPr>
+          <p:style>
+            <a:lnRef idx="2">
+              <a:schemeClr val="accent1">
+                <a:shade val="50000"/>
+              </a:schemeClr>
+            </a:lnRef>
+            <a:fillRef idx="1">
+              <a:schemeClr val="accent1"/>
+            </a:fillRef>
+            <a:effectRef idx="0">
+              <a:schemeClr val="accent1"/>
+            </a:effectRef>
+            <a:fontRef idx="minor">
+              <a:schemeClr val="lt1"/>
+            </a:fontRef>
+          </p:style>
+          <p:txBody>
+            <a:bodyPr rtlCol="0" anchor="ctr"/>
+            <a:lstStyle/>
+            <a:p>
+              <a:pPr algn="ctr"/>
+              <a:endParaRPr lang="en-US"/>
+            </a:p>
+          </p:txBody>
+        </p:sp>
+        <p:sp>
+          <p:nvSpPr>
+            <p:cNvPr id="30" name="Rectangle 29">
+              <a:extLst>
+                <a:ext uri="{FF2B5EF4-FFF2-40B4-BE49-F238E27FC236}">
+                  <a16:creationId xmlns:a16="http://schemas.microsoft.com/office/drawing/2014/main" id="{ED49787B-8DE6-4467-AD0A-8DECC6E0C2D6}"/>
+                </a:ext>
+                <a:ext uri="{C183D7F6-B498-43B3-948B-1728B52AA6E4}">
+                  <adec:decorative xmlns:adec="http://schemas.microsoft.com/office/drawing/2017/decorative" val="1"/>
+                </a:ext>
+              </a:extLst>
+            </p:cNvPr>
+            <p:cNvSpPr/>
+            <p:nvPr>
+              <p:extLst>
+                <p:ext uri="{386F3935-93C4-4BCD-93E2-E3B085C9AB24}">
+                  <p16:designElem xmlns:p16="http://schemas.microsoft.com/office/powerpoint/2015/main" val="1"/>
+                </p:ext>
+              </p:extLst>
+            </p:nvPr>
+          </p:nvSpPr>
+          <p:spPr>
+            <a:xfrm>
+              <a:off x="5490650" y="308034"/>
+              <a:ext cx="566743" cy="3428999"/>
+            </a:xfrm>
+            <a:prstGeom prst="rect">
+              <a:avLst/>
+            </a:prstGeom>
+            <a:grpFill/>
+            <a:ln>
+              <a:noFill/>
+            </a:ln>
+          </p:spPr>
+          <p:style>
+            <a:lnRef idx="2">
+              <a:schemeClr val="accent1">
+                <a:shade val="50000"/>
+              </a:schemeClr>
+            </a:lnRef>
+            <a:fillRef idx="1">
+              <a:schemeClr val="accent1"/>
+            </a:fillRef>
+            <a:effectRef idx="0">
+              <a:schemeClr val="accent1"/>
+            </a:effectRef>
+            <a:fontRef idx="minor">
+              <a:schemeClr val="lt1"/>
+            </a:fontRef>
+          </p:style>
+          <p:txBody>
+            <a:bodyPr rtlCol="0" anchor="ctr"/>
+            <a:lstStyle/>
+            <a:p>
+              <a:pPr algn="ctr"/>
+              <a:endParaRPr lang="en-US"/>
+            </a:p>
+          </p:txBody>
+        </p:sp>
+      </p:grpSp>
+      <p:sp>
+        <p:nvSpPr>
+          <p:cNvPr id="32" name="Rectangle 31">
+            <a:extLst>
+              <a:ext uri="{FF2B5EF4-FFF2-40B4-BE49-F238E27FC236}">
+                <a16:creationId xmlns:a16="http://schemas.microsoft.com/office/drawing/2014/main" id="{D5B0017B-2ECA-49AF-B397-DC140825DF8D}"/>
+              </a:ext>
+              <a:ext uri="{C183D7F6-B498-43B3-948B-1728B52AA6E4}">
+                <adec:decorative xmlns:adec="http://schemas.microsoft.com/office/drawing/2017/decorative" val="1"/>
+              </a:ext>
+            </a:extLst>
+          </p:cNvPr>
+          <p:cNvSpPr>
+            <a:spLocks noGrp="1" noRot="1" noChangeAspect="1" noMove="1" noResize="1" noEditPoints="1" noAdjustHandles="1" noChangeArrowheads="1" noChangeShapeType="1" noTextEdit="1"/>
+          </p:cNvSpPr>
+          <p:nvPr>
+            <p:extLst>
+              <p:ext uri="{386F3935-93C4-4BCD-93E2-E3B085C9AB24}">
+                <p16:designElem xmlns:p16="http://schemas.microsoft.com/office/powerpoint/2015/main" val="1"/>
+              </p:ext>
+            </p:extLst>
+          </p:nvPr>
+        </p:nvSpPr>
+        <p:spPr>
+          <a:xfrm>
+            <a:off x="640079" y="613954"/>
+            <a:ext cx="10907487" cy="1894116"/>
+          </a:xfrm>
+          <a:prstGeom prst="rect">
+            <a:avLst/>
+          </a:prstGeom>
+          <a:solidFill>
+            <a:schemeClr val="bg1"/>
+          </a:solidFill>
+          <a:ln>
+            <a:noFill/>
+          </a:ln>
+          <a:effectLst>
+            <a:outerShdw blurRad="139700" dist="127000" dir="5400000" algn="t" rotWithShape="0">
+              <a:prstClr val="black">
+                <a:alpha val="15000"/>
+              </a:prstClr>
+            </a:outerShdw>
+          </a:effectLst>
+        </p:spPr>
+        <p:style>
+          <a:lnRef idx="2">
+            <a:schemeClr val="accent1">
+              <a:shade val="50000"/>
+            </a:schemeClr>
+          </a:lnRef>
+          <a:fillRef idx="1">
+            <a:schemeClr val="accent1"/>
+          </a:fillRef>
+          <a:effectRef idx="0">
+            <a:schemeClr val="accent1"/>
+          </a:effectRef>
+          <a:fontRef idx="minor">
+            <a:schemeClr val="lt1"/>
+          </a:fontRef>
+        </p:style>
+        <p:txBody>
+          <a:bodyPr rtlCol="0" anchor="ctr"/>
+          <a:lstStyle/>
+          <a:p>
+            <a:pPr algn="ctr"/>
+            <a:endParaRPr lang="en-US"/>
+          </a:p>
+        </p:txBody>
+      </p:sp>
+      <p:sp>
+        <p:nvSpPr>
+          <p:cNvPr id="2" name="Title 1">
+            <a:extLst>
+              <a:ext uri="{FF2B5EF4-FFF2-40B4-BE49-F238E27FC236}">
+                <a16:creationId xmlns:a16="http://schemas.microsoft.com/office/drawing/2014/main" id="{156A7A71-05F3-1D24-EFA2-F2975F458BE3}"/>
+              </a:ext>
+            </a:extLst>
+          </p:cNvPr>
+          <p:cNvSpPr>
+            <a:spLocks noGrp="1"/>
+          </p:cNvSpPr>
+          <p:nvPr>
+            <p:ph type="title"/>
+          </p:nvPr>
+        </p:nvSpPr>
+        <p:spPr>
+          <a:xfrm>
+            <a:off x="1043631" y="809898"/>
+            <a:ext cx="9942716" cy="1554480"/>
+          </a:xfrm>
+        </p:spPr>
+        <p:txBody>
+          <a:bodyPr anchor="ctr">
+            <a:normAutofit/>
+          </a:bodyPr>
+          <a:lstStyle/>
+          <a:p>
+            <a:pPr algn="ctr"/>
+            <a:r>
+              <a:rPr lang="en-US" b="1" dirty="0">
+                <a:latin typeface="Amasis MT Pro Black" panose="02040A04050005020304" pitchFamily="18" charset="0"/>
+              </a:rPr>
+              <a:t>This is just the beginning!</a:t>
+            </a:r>
+          </a:p>
+        </p:txBody>
+      </p:sp>
+      <p:sp>
+        <p:nvSpPr>
+          <p:cNvPr id="47" name="Content Placeholder 2">
+            <a:extLst>
+              <a:ext uri="{FF2B5EF4-FFF2-40B4-BE49-F238E27FC236}">
+                <a16:creationId xmlns:a16="http://schemas.microsoft.com/office/drawing/2014/main" id="{C24E1552-1C4C-C6BF-1A13-252630DB7DF2}"/>
+              </a:ext>
+            </a:extLst>
+          </p:cNvPr>
+          <p:cNvSpPr>
+            <a:spLocks noGrp="1"/>
+          </p:cNvSpPr>
+          <p:nvPr>
+            <p:ph idx="1"/>
+          </p:nvPr>
+        </p:nvSpPr>
+        <p:spPr>
+          <a:xfrm>
+            <a:off x="1043631" y="2787602"/>
+            <a:ext cx="9941319" cy="3124658"/>
+          </a:xfrm>
+        </p:spPr>
+        <p:txBody>
+          <a:bodyPr anchor="ctr">
+            <a:normAutofit/>
+          </a:bodyPr>
+          <a:lstStyle/>
+          <a:p>
+            <a:pPr algn="ctr">
+              <a:buFont typeface="Wingdings" panose="05000000000000000000" pitchFamily="2" charset="2"/>
+              <a:buChar char="Ø"/>
+            </a:pPr>
+            <a:r>
+              <a:rPr lang="en-US" sz="3200" dirty="0">
+                <a:latin typeface="Calibri" panose="020F0502020204030204" pitchFamily="34" charset="0"/>
+                <a:ea typeface="Calibri" panose="020F0502020204030204" pitchFamily="34" charset="0"/>
+                <a:cs typeface="Times New Roman" panose="02020603050405020304" pitchFamily="18" charset="0"/>
+              </a:rPr>
+              <a:t>Time</a:t>
+            </a:r>
+          </a:p>
+          <a:p>
+            <a:pPr algn="ctr">
+              <a:buFont typeface="Wingdings" panose="05000000000000000000" pitchFamily="2" charset="2"/>
+              <a:buChar char="Ø"/>
+            </a:pPr>
+            <a:r>
+              <a:rPr lang="en-US" sz="3200" dirty="0">
+                <a:latin typeface="Calibri" panose="020F0502020204030204" pitchFamily="34" charset="0"/>
+                <a:ea typeface="Calibri" panose="020F0502020204030204" pitchFamily="34" charset="0"/>
+                <a:cs typeface="Times New Roman" panose="02020603050405020304" pitchFamily="18" charset="0"/>
+              </a:rPr>
+              <a:t>State Size</a:t>
+            </a:r>
+          </a:p>
+          <a:p>
+            <a:pPr algn="ctr">
+              <a:buFont typeface="Wingdings" panose="05000000000000000000" pitchFamily="2" charset="2"/>
+              <a:buChar char="Ø"/>
+            </a:pPr>
+            <a:r>
+              <a:rPr lang="en-US" sz="3200" dirty="0">
+                <a:latin typeface="Calibri" panose="020F0502020204030204" pitchFamily="34" charset="0"/>
+                <a:ea typeface="Calibri" panose="020F0502020204030204" pitchFamily="34" charset="0"/>
+                <a:cs typeface="Times New Roman" panose="02020603050405020304" pitchFamily="18" charset="0"/>
+              </a:rPr>
+              <a:t>Politics</a:t>
+            </a:r>
+          </a:p>
+          <a:p>
+            <a:pPr algn="ctr">
+              <a:buFont typeface="Wingdings" panose="05000000000000000000" pitchFamily="2" charset="2"/>
+              <a:buChar char="Ø"/>
+            </a:pPr>
+            <a:r>
+              <a:rPr lang="en-US" sz="3200" dirty="0">
+                <a:latin typeface="Calibri" panose="020F0502020204030204" pitchFamily="34" charset="0"/>
+                <a:ea typeface="Calibri" panose="020F0502020204030204" pitchFamily="34" charset="0"/>
+                <a:cs typeface="Times New Roman" panose="02020603050405020304" pitchFamily="18" charset="0"/>
+              </a:rPr>
+              <a:t>Health Care</a:t>
+            </a:r>
+          </a:p>
+        </p:txBody>
+      </p:sp>
+      <p:cxnSp>
+        <p:nvCxnSpPr>
+          <p:cNvPr id="34" name="Straight Connector 33">
+            <a:extLst>
+              <a:ext uri="{FF2B5EF4-FFF2-40B4-BE49-F238E27FC236}">
+                <a16:creationId xmlns:a16="http://schemas.microsoft.com/office/drawing/2014/main" id="{6CF1BAF6-AD41-4082-B212-8A1F9A2E8779}"/>
+              </a:ext>
+              <a:ext uri="{C183D7F6-B498-43B3-948B-1728B52AA6E4}">
+                <adec:decorative xmlns:adec="http://schemas.microsoft.com/office/drawing/2017/decorative" val="1"/>
+              </a:ext>
+            </a:extLst>
+          </p:cNvPr>
+          <p:cNvCxnSpPr>
+            <a:cxnSpLocks noGrp="1" noRot="1" noChangeAspect="1" noMove="1" noResize="1" noEditPoints="1" noAdjustHandles="1" noChangeArrowheads="1" noChangeShapeType="1"/>
+          </p:cNvCxnSpPr>
+          <p:nvPr>
+            <p:extLst>
+              <p:ext uri="{386F3935-93C4-4BCD-93E2-E3B085C9AB24}">
+                <p16:designElem xmlns:p16="http://schemas.microsoft.com/office/powerpoint/2015/main" val="1"/>
+              </p:ext>
+            </p:extLst>
+          </p:nvPr>
+        </p:nvCxnSpPr>
+        <p:spPr>
+          <a:xfrm flipH="1">
+            <a:off x="838200" y="6485313"/>
+            <a:ext cx="10515600" cy="0"/>
+          </a:xfrm>
+          <a:prstGeom prst="line">
+            <a:avLst/>
+          </a:prstGeom>
+          <a:ln w="57150">
+            <a:solidFill>
+              <a:schemeClr val="accent4"/>
+            </a:solidFill>
+          </a:ln>
+        </p:spPr>
+        <p:style>
+          <a:lnRef idx="1">
+            <a:schemeClr val="accent1"/>
+          </a:lnRef>
+          <a:fillRef idx="0">
+            <a:schemeClr val="accent1"/>
+          </a:fillRef>
+          <a:effectRef idx="0">
+            <a:schemeClr val="accent1"/>
+          </a:effectRef>
+          <a:fontRef idx="minor">
+            <a:schemeClr val="tx1"/>
+          </a:fontRef>
+        </p:style>
+      </p:cxnSp>
+    </p:spTree>
+    <p:extLst>
+      <p:ext uri="{BB962C8B-B14F-4D97-AF65-F5344CB8AC3E}">
+        <p14:creationId xmlns:p14="http://schemas.microsoft.com/office/powerpoint/2010/main" val="157401384"/>
+      </p:ext>
+    </p:extLst>
+  </p:cSld>
+  <p:clrMapOvr>
+    <a:masterClrMapping/>
+  </p:clrMapOvr>
+  <mc:AlternateContent xmlns:mc="http://schemas.openxmlformats.org/markup-compatibility/2006" xmlns:p14="http://schemas.microsoft.com/office/powerpoint/2010/main">
+    <mc:Choice Requires="p14">
+      <p:transition spd="slow">
+        <p14:flash/>
+      </p:transition>
+    </mc:Choice>
+    <mc:Fallback xmlns="">
+      <p:transition spd="slow">
+        <p:fade/>
+      </p:transition>
+    </mc:Fallback>
+  </mc:AlternateContent>
+</p:sld>
+</file>
+
+<file path=ppt/slides/slide18.xml><?xml version="1.0" encoding="utf-8"?>
+<p:sld xmlns:a="http://schemas.openxmlformats.org/drawingml/2006/main" xmlns:r="http://schemas.openxmlformats.org/officeDocument/2006/relationships" xmlns:p="http://schemas.openxmlformats.org/presentationml/2006/main">
+  <p:cSld>
+    <p:bg>
+      <p:bgPr>
+        <a:solidFill>
+          <a:schemeClr val="bg1"/>
+        </a:solidFill>
+        <a:effectLst/>
+      </p:bgPr>
+    </p:bg>
+    <p:spTree>
+      <p:nvGrpSpPr>
+        <p:cNvPr id="1" name=""/>
+        <p:cNvGrpSpPr/>
+        <p:nvPr/>
+      </p:nvGrpSpPr>
+      <p:grpSpPr>
+        <a:xfrm>
+          <a:off x="0" y="0"/>
+          <a:ext cx="0" cy="0"/>
+          <a:chOff x="0" y="0"/>
+          <a:chExt cx="0" cy="0"/>
+        </a:xfrm>
+      </p:grpSpPr>
+      <p:sp useBgFill="1">
+        <p:nvSpPr>
+          <p:cNvPr id="7" name="Rectangle 6">
+            <a:extLst>
+              <a:ext uri="{FF2B5EF4-FFF2-40B4-BE49-F238E27FC236}">
+                <a16:creationId xmlns:a16="http://schemas.microsoft.com/office/drawing/2014/main" id="{4522B21E-B2B9-4C72-9A71-C87EFD137480}"/>
+              </a:ext>
+              <a:ext uri="{C183D7F6-B498-43B3-948B-1728B52AA6E4}">
+                <adec:decorative xmlns:adec="http://schemas.microsoft.com/office/drawing/2017/decorative" val="1"/>
+              </a:ext>
+            </a:extLst>
+          </p:cNvPr>
+          <p:cNvSpPr>
+            <a:spLocks noGrp="1" noRot="1" noChangeAspect="1" noMove="1" noResize="1" noEditPoints="1" noAdjustHandles="1" noChangeArrowheads="1" noChangeShapeType="1" noTextEdit="1"/>
+          </p:cNvSpPr>
+          <p:nvPr>
+            <p:extLst>
+              <p:ext uri="{386F3935-93C4-4BCD-93E2-E3B085C9AB24}">
+                <p16:designElem xmlns:p16="http://schemas.microsoft.com/office/powerpoint/2015/main" val="1"/>
+              </p:ext>
+            </p:extLst>
+          </p:nvPr>
+        </p:nvSpPr>
+        <p:spPr>
+          <a:xfrm>
+            <a:off x="0" y="0"/>
+            <a:ext cx="12191999" cy="6857365"/>
+          </a:xfrm>
+          <a:prstGeom prst="rect">
+            <a:avLst/>
+          </a:prstGeom>
+          <a:ln>
+            <a:noFill/>
+          </a:ln>
+        </p:spPr>
+        <p:style>
+          <a:lnRef idx="2">
+            <a:schemeClr val="accent1">
+              <a:shade val="50000"/>
+            </a:schemeClr>
+          </a:lnRef>
+          <a:fillRef idx="1">
+            <a:schemeClr val="accent1"/>
+          </a:fillRef>
+          <a:effectRef idx="0">
+            <a:schemeClr val="accent1"/>
+          </a:effectRef>
+          <a:fontRef idx="minor">
+            <a:schemeClr val="lt1"/>
+          </a:fontRef>
+        </p:style>
+        <p:txBody>
+          <a:bodyPr rtlCol="0" anchor="ctr"/>
+          <a:lstStyle/>
+          <a:p>
+            <a:pPr algn="ctr"/>
+            <a:endParaRPr lang="en-US"/>
+          </a:p>
+        </p:txBody>
+      </p:sp>
+      <p:sp>
+        <p:nvSpPr>
+          <p:cNvPr id="9" name="Rectangle 8">
+            <a:extLst>
+              <a:ext uri="{FF2B5EF4-FFF2-40B4-BE49-F238E27FC236}">
+                <a16:creationId xmlns:a16="http://schemas.microsoft.com/office/drawing/2014/main" id="{5EB7D2A2-F448-44D4-938C-DC84CBCB3B1E}"/>
+              </a:ext>
+              <a:ext uri="{C183D7F6-B498-43B3-948B-1728B52AA6E4}">
+                <adec:decorative xmlns:adec="http://schemas.microsoft.com/office/drawing/2017/decorative" val="1"/>
+              </a:ext>
+            </a:extLst>
+          </p:cNvPr>
+          <p:cNvSpPr>
+            <a:spLocks noGrp="1" noRot="1" noChangeAspect="1" noMove="1" noResize="1" noEditPoints="1" noAdjustHandles="1" noChangeArrowheads="1" noChangeShapeType="1" noTextEdit="1"/>
+          </p:cNvSpPr>
+          <p:nvPr>
+            <p:extLst>
+              <p:ext uri="{386F3935-93C4-4BCD-93E2-E3B085C9AB24}">
+                <p16:designElem xmlns:p16="http://schemas.microsoft.com/office/powerpoint/2015/main" val="1"/>
+              </p:ext>
+            </p:extLst>
+          </p:nvPr>
+        </p:nvSpPr>
+        <p:spPr>
+          <a:xfrm>
+            <a:off x="0" y="2"/>
+            <a:ext cx="12192000" cy="4412583"/>
+          </a:xfrm>
+          <a:prstGeom prst="rect">
+            <a:avLst/>
+          </a:prstGeom>
+          <a:solidFill>
+            <a:schemeClr val="accent4"/>
+          </a:solidFill>
+          <a:ln>
+            <a:noFill/>
+          </a:ln>
+        </p:spPr>
+        <p:style>
+          <a:lnRef idx="2">
+            <a:schemeClr val="accent1">
+              <a:shade val="50000"/>
+            </a:schemeClr>
+          </a:lnRef>
+          <a:fillRef idx="1">
+            <a:schemeClr val="accent1"/>
+          </a:fillRef>
+          <a:effectRef idx="0">
+            <a:schemeClr val="accent1"/>
+          </a:effectRef>
+          <a:fontRef idx="minor">
+            <a:schemeClr val="lt1"/>
+          </a:fontRef>
+        </p:style>
+        <p:txBody>
+          <a:bodyPr rtlCol="0" anchor="ctr"/>
+          <a:lstStyle/>
+          <a:p>
+            <a:pPr algn="ctr"/>
+            <a:endParaRPr lang="en-US" dirty="0"/>
+          </a:p>
+        </p:txBody>
+      </p:sp>
+      <p:sp>
+        <p:nvSpPr>
+          <p:cNvPr id="11" name="Rectangle 10">
+            <a:extLst>
+              <a:ext uri="{FF2B5EF4-FFF2-40B4-BE49-F238E27FC236}">
+                <a16:creationId xmlns:a16="http://schemas.microsoft.com/office/drawing/2014/main" id="{871AEA07-1E14-44B4-8E55-64EF049CD66F}"/>
+              </a:ext>
+              <a:ext uri="{C183D7F6-B498-43B3-948B-1728B52AA6E4}">
+                <adec:decorative xmlns:adec="http://schemas.microsoft.com/office/drawing/2017/decorative" val="1"/>
+              </a:ext>
+            </a:extLst>
+          </p:cNvPr>
+          <p:cNvSpPr>
+            <a:spLocks noGrp="1" noRot="1" noChangeAspect="1" noMove="1" noResize="1" noEditPoints="1" noAdjustHandles="1" noChangeArrowheads="1" noChangeShapeType="1" noTextEdit="1"/>
+          </p:cNvSpPr>
+          <p:nvPr>
+            <p:extLst>
+              <p:ext uri="{386F3935-93C4-4BCD-93E2-E3B085C9AB24}">
+                <p16:designElem xmlns:p16="http://schemas.microsoft.com/office/powerpoint/2015/main" val="1"/>
+              </p:ext>
+            </p:extLst>
+          </p:nvPr>
+        </p:nvSpPr>
+        <p:spPr>
+          <a:xfrm>
+            <a:off x="596464" y="551962"/>
+            <a:ext cx="10999072" cy="4618549"/>
+          </a:xfrm>
+          <a:prstGeom prst="rect">
+            <a:avLst/>
+          </a:prstGeom>
+          <a:solidFill>
+            <a:schemeClr val="bg1"/>
+          </a:solidFill>
+          <a:ln>
+            <a:noFill/>
+          </a:ln>
+          <a:effectLst>
+            <a:outerShdw blurRad="139700" dist="127000" dir="5400000" algn="t" rotWithShape="0">
+              <a:prstClr val="black">
+                <a:alpha val="15000"/>
+              </a:prstClr>
+            </a:outerShdw>
+          </a:effectLst>
+        </p:spPr>
+        <p:style>
+          <a:lnRef idx="2">
+            <a:schemeClr val="accent1">
+              <a:shade val="50000"/>
+            </a:schemeClr>
+          </a:lnRef>
+          <a:fillRef idx="1">
+            <a:schemeClr val="accent1"/>
+          </a:fillRef>
+          <a:effectRef idx="0">
+            <a:schemeClr val="accent1"/>
+          </a:effectRef>
+          <a:fontRef idx="minor">
+            <a:schemeClr val="lt1"/>
+          </a:fontRef>
+        </p:style>
+        <p:txBody>
+          <a:bodyPr rtlCol="0" anchor="ctr"/>
+          <a:lstStyle/>
+          <a:p>
+            <a:pPr algn="ctr"/>
+            <a:endParaRPr lang="en-US"/>
+          </a:p>
+        </p:txBody>
+      </p:sp>
+      <p:sp>
+        <p:nvSpPr>
+          <p:cNvPr id="2" name="Title 1">
+            <a:extLst>
+              <a:ext uri="{FF2B5EF4-FFF2-40B4-BE49-F238E27FC236}">
+                <a16:creationId xmlns:a16="http://schemas.microsoft.com/office/drawing/2014/main" id="{3A84E6C5-9D62-812B-4420-7981812964F3}"/>
+              </a:ext>
+            </a:extLst>
+          </p:cNvPr>
+          <p:cNvSpPr>
+            <a:spLocks noGrp="1"/>
+          </p:cNvSpPr>
+          <p:nvPr>
+            <p:ph type="title"/>
+          </p:nvPr>
+        </p:nvSpPr>
+        <p:spPr>
+          <a:xfrm>
+            <a:off x="1524000" y="1293338"/>
+            <a:ext cx="9144000" cy="3274592"/>
+          </a:xfrm>
+        </p:spPr>
+        <p:txBody>
+          <a:bodyPr vert="horz" lIns="91440" tIns="45720" rIns="91440" bIns="45720" rtlCol="0" anchor="ctr">
+            <a:normAutofit/>
+          </a:bodyPr>
+          <a:lstStyle/>
+          <a:p>
+            <a:pPr algn="ctr"/>
+            <a:r>
+              <a:rPr lang="en-US" sz="7200" b="1" kern="1200" dirty="0">
+                <a:solidFill>
+                  <a:schemeClr val="tx1"/>
+                </a:solidFill>
+                <a:latin typeface="Amasis MT Pro Black" panose="02040A04050005020304" pitchFamily="18" charset="0"/>
+              </a:rPr>
+              <a:t>Questions?</a:t>
+            </a:r>
+          </a:p>
+        </p:txBody>
+      </p:sp>
+      <p:cxnSp>
+        <p:nvCxnSpPr>
+          <p:cNvPr id="13" name="Straight Connector 12">
+            <a:extLst>
+              <a:ext uri="{FF2B5EF4-FFF2-40B4-BE49-F238E27FC236}">
+                <a16:creationId xmlns:a16="http://schemas.microsoft.com/office/drawing/2014/main" id="{F7C8EA93-3210-4C62-99E9-153C275E3A87}"/>
+              </a:ext>
+              <a:ext uri="{C183D7F6-B498-43B3-948B-1728B52AA6E4}">
+                <adec:decorative xmlns:adec="http://schemas.microsoft.com/office/drawing/2017/decorative" val="1"/>
+              </a:ext>
+            </a:extLst>
+          </p:cNvPr>
+          <p:cNvCxnSpPr>
+            <a:cxnSpLocks noGrp="1" noRot="1" noChangeAspect="1" noMove="1" noResize="1" noEditPoints="1" noAdjustHandles="1" noChangeArrowheads="1" noChangeShapeType="1"/>
+          </p:cNvCxnSpPr>
+          <p:nvPr>
+            <p:extLst>
+              <p:ext uri="{386F3935-93C4-4BCD-93E2-E3B085C9AB24}">
+                <p16:designElem xmlns:p16="http://schemas.microsoft.com/office/powerpoint/2015/main" val="1"/>
+              </p:ext>
+            </p:extLst>
+          </p:nvPr>
+        </p:nvCxnSpPr>
+        <p:spPr>
+          <a:xfrm flipH="1">
+            <a:off x="596464" y="6354708"/>
+            <a:ext cx="11000232" cy="0"/>
+          </a:xfrm>
+          <a:prstGeom prst="line">
+            <a:avLst/>
+          </a:prstGeom>
+          <a:ln w="101600">
+            <a:solidFill>
+              <a:schemeClr val="accent4"/>
+            </a:solidFill>
+          </a:ln>
+        </p:spPr>
+        <p:style>
+          <a:lnRef idx="1">
+            <a:schemeClr val="accent1"/>
+          </a:lnRef>
+          <a:fillRef idx="0">
+            <a:schemeClr val="accent1"/>
+          </a:fillRef>
+          <a:effectRef idx="0">
+            <a:schemeClr val="accent1"/>
+          </a:effectRef>
+          <a:fontRef idx="minor">
+            <a:schemeClr val="tx1"/>
+          </a:fontRef>
+        </p:style>
+      </p:cxnSp>
+    </p:spTree>
+    <p:extLst>
+      <p:ext uri="{BB962C8B-B14F-4D97-AF65-F5344CB8AC3E}">
+        <p14:creationId xmlns:p14="http://schemas.microsoft.com/office/powerpoint/2010/main" val="1315709468"/>
+      </p:ext>
+    </p:extLst>
+  </p:cSld>
+  <p:clrMapOvr>
+    <a:masterClrMapping/>
+  </p:clrMapOvr>
+  <mc:AlternateContent xmlns:mc="http://schemas.openxmlformats.org/markup-compatibility/2006" xmlns:p15="http://schemas.microsoft.com/office/powerpoint/2012/main">
+    <mc:Choice Requires="p15">
+      <p:transition xmlns:p14="http://schemas.microsoft.com/office/powerpoint/2010/main" spd="slow" p14:dur="6000">
+        <p15:prstTrans prst="curtains"/>
+      </p:transition>
+    </mc:Choice>
+    <mc:Fallback xmlns="">
+      <p:transition spd="slow">
+        <p:fade/>
+      </p:transition>
+    </mc:Fallback>
+  </mc:AlternateContent>
+</p:sld>
+</file>
+
+<file path=ppt/slides/slide2.xml><?xml version="1.0" encoding="utf-8"?>
+<p:sld xmlns:a="http://schemas.openxmlformats.org/drawingml/2006/main" xmlns:r="http://schemas.openxmlformats.org/officeDocument/2006/relationships" xmlns:p="http://schemas.openxmlformats.org/presentationml/2006/main">
+  <p:cSld>
+    <p:spTree>
+      <p:nvGrpSpPr>
+        <p:cNvPr id="1" name=""/>
+        <p:cNvGrpSpPr/>
+        <p:nvPr/>
+      </p:nvGrpSpPr>
+      <p:grpSpPr>
+        <a:xfrm>
+          <a:off x="0" y="0"/>
+          <a:ext cx="0" cy="0"/>
+          <a:chOff x="0" y="0"/>
+          <a:chExt cx="0" cy="0"/>
+        </a:xfrm>
+      </p:grpSpPr>
+      <p:sp>
+        <p:nvSpPr>
+          <p:cNvPr id="2" name="Title 1">
+            <a:extLst>
+              <a:ext uri="{FF2B5EF4-FFF2-40B4-BE49-F238E27FC236}">
+                <a16:creationId xmlns:a16="http://schemas.microsoft.com/office/drawing/2014/main" id="{3FC40F1B-DAFF-AE30-7D4A-01EA1AB23990}"/>
+              </a:ext>
+            </a:extLst>
+          </p:cNvPr>
+          <p:cNvSpPr>
+            <a:spLocks noGrp="1"/>
+          </p:cNvSpPr>
+          <p:nvPr>
+            <p:ph type="title"/>
+          </p:nvPr>
+        </p:nvSpPr>
+        <p:spPr>
+          <a:xfrm>
+            <a:off x="1721540" y="32084"/>
+            <a:ext cx="8748920" cy="1141234"/>
+          </a:xfrm>
+        </p:spPr>
+        <p:txBody>
+          <a:bodyPr>
+            <a:normAutofit/>
+          </a:bodyPr>
+          <a:lstStyle/>
+          <a:p>
+            <a:pPr algn="ctr"/>
+            <a:r>
+              <a:rPr lang="en-US" sz="4000" b="1" dirty="0">
+                <a:latin typeface="Amasis MT Pro Black" panose="02040A04050005020304" pitchFamily="18" charset="0"/>
+              </a:rPr>
+              <a:t>Meet the Curious Conquerors</a:t>
+            </a:r>
+          </a:p>
+        </p:txBody>
+      </p:sp>
+      <p:sp>
+        <p:nvSpPr>
+          <p:cNvPr id="3" name="Content Placeholder 2">
+            <a:extLst>
+              <a:ext uri="{FF2B5EF4-FFF2-40B4-BE49-F238E27FC236}">
+                <a16:creationId xmlns:a16="http://schemas.microsoft.com/office/drawing/2014/main" id="{8992AE70-95A7-589A-9C38-2BD8FD60CBCC}"/>
+              </a:ext>
+            </a:extLst>
+          </p:cNvPr>
+          <p:cNvSpPr>
+            <a:spLocks noGrp="1"/>
+          </p:cNvSpPr>
+          <p:nvPr>
+            <p:ph idx="1"/>
+          </p:nvPr>
+        </p:nvSpPr>
+        <p:spPr>
+          <a:xfrm>
+            <a:off x="0" y="1910443"/>
+            <a:ext cx="5208104" cy="4760175"/>
+          </a:xfrm>
+        </p:spPr>
+        <p:txBody>
+          <a:bodyPr>
+            <a:normAutofit/>
+          </a:bodyPr>
+          <a:lstStyle/>
+          <a:p>
+            <a:pPr marL="0" indent="0">
+              <a:buNone/>
+            </a:pPr>
+            <a:r>
+              <a:rPr lang="en-US" sz="3200" dirty="0"/>
+              <a:t>Alisha</a:t>
+            </a:r>
+          </a:p>
+          <a:p>
+            <a:pPr lvl="1">
+              <a:buFont typeface="Wingdings" panose="05000000000000000000" pitchFamily="2" charset="2"/>
+              <a:buChar char="Ø"/>
+            </a:pPr>
+            <a:r>
+              <a:rPr lang="en-US" sz="2800" dirty="0"/>
+              <a:t>I am a mom of an 8 month old and another on the way.  My children’s father and I are engaged and plan to be married in October.</a:t>
+            </a:r>
+          </a:p>
+          <a:p>
+            <a:pPr lvl="1">
+              <a:buFont typeface="Wingdings" panose="05000000000000000000" pitchFamily="2" charset="2"/>
+              <a:buChar char="Ø"/>
+            </a:pPr>
+            <a:r>
+              <a:rPr lang="en-US" sz="2800" dirty="0"/>
+              <a:t>I currently work as a 911 dispatcher.  I am originally from Florida, and then lived in Colorado, Idaho, California, and now Texas.</a:t>
+            </a:r>
+          </a:p>
+          <a:p>
+            <a:pPr lvl="1">
+              <a:buFont typeface="Wingdings" panose="05000000000000000000" pitchFamily="2" charset="2"/>
+              <a:buChar char="ü"/>
+            </a:pPr>
+            <a:endParaRPr lang="en-US" sz="2800" dirty="0"/>
+          </a:p>
+        </p:txBody>
+      </p:sp>
+      <p:pic>
+        <p:nvPicPr>
+          <p:cNvPr id="5" name="Picture 4" descr="A picture containing person, wearing, glasses&#10;&#10;Description automatically generated">
+            <a:extLst>
+              <a:ext uri="{FF2B5EF4-FFF2-40B4-BE49-F238E27FC236}">
+                <a16:creationId xmlns:a16="http://schemas.microsoft.com/office/drawing/2014/main" id="{DE869985-A42C-94DE-45F7-FB233ABA826B}"/>
+              </a:ext>
+            </a:extLst>
+          </p:cNvPr>
+          <p:cNvPicPr>
+            <a:picLocks noChangeAspect="1"/>
+          </p:cNvPicPr>
+          <p:nvPr/>
+        </p:nvPicPr>
+        <p:blipFill>
+          <a:blip r:embed="rId2">
+            <a:extLst>
+              <a:ext uri="{28A0092B-C50C-407E-A947-70E740481C1C}">
+                <a14:useLocalDpi xmlns:a14="http://schemas.microsoft.com/office/drawing/2010/main" val="0"/>
+              </a:ext>
+            </a:extLst>
+          </a:blip>
+          <a:stretch>
+            <a:fillRect/>
+          </a:stretch>
+        </p:blipFill>
+        <p:spPr>
+          <a:xfrm rot="441001">
+            <a:off x="9291016" y="1719329"/>
+            <a:ext cx="2358887" cy="4785064"/>
+          </a:xfrm>
+          <a:prstGeom prst="rect">
+            <a:avLst/>
+          </a:prstGeom>
+        </p:spPr>
+      </p:pic>
+      <p:pic>
+        <p:nvPicPr>
+          <p:cNvPr id="8" name="Picture 7" descr="A picture containing text&#10;&#10;Description automatically generated">
+            <a:extLst>
+              <a:ext uri="{FF2B5EF4-FFF2-40B4-BE49-F238E27FC236}">
+                <a16:creationId xmlns:a16="http://schemas.microsoft.com/office/drawing/2014/main" id="{33CC6E39-104E-76CB-4D22-1B88E1B588EA}"/>
+              </a:ext>
+            </a:extLst>
+          </p:cNvPr>
+          <p:cNvPicPr>
+            <a:picLocks noChangeAspect="1"/>
+          </p:cNvPicPr>
+          <p:nvPr/>
+        </p:nvPicPr>
+        <p:blipFill rotWithShape="1">
+          <a:blip r:embed="rId3">
+            <a:extLst>
+              <a:ext uri="{28A0092B-C50C-407E-A947-70E740481C1C}">
+                <a14:useLocalDpi xmlns:a14="http://schemas.microsoft.com/office/drawing/2010/main" val="0"/>
+              </a:ext>
+            </a:extLst>
+          </a:blip>
+          <a:srcRect l="12163" t="27857" r="14076" b="21709"/>
+          <a:stretch/>
+        </p:blipFill>
+        <p:spPr>
+          <a:xfrm rot="21131134">
+            <a:off x="5413832" y="1758224"/>
+            <a:ext cx="2780917" cy="4077530"/>
+          </a:xfrm>
+          <a:prstGeom prst="rect">
+            <a:avLst/>
+          </a:prstGeom>
+        </p:spPr>
+      </p:pic>
+      <p:pic>
+        <p:nvPicPr>
+          <p:cNvPr id="4" name="Graphic 3" descr="Jail with solid fill">
+            <a:extLst>
+              <a:ext uri="{FF2B5EF4-FFF2-40B4-BE49-F238E27FC236}">
+                <a16:creationId xmlns:a16="http://schemas.microsoft.com/office/drawing/2014/main" id="{C09109DC-10E2-7CEA-1F77-F105EB648FBE}"/>
+              </a:ext>
+            </a:extLst>
+          </p:cNvPr>
+          <p:cNvPicPr>
+            <a:picLocks noChangeAspect="1"/>
+          </p:cNvPicPr>
+          <p:nvPr/>
+        </p:nvPicPr>
+        <p:blipFill>
+          <a:blip r:embed="rId4">
+            <a:extLst>
+              <a:ext uri="{28A0092B-C50C-407E-A947-70E740481C1C}">
+                <a14:useLocalDpi xmlns:a14="http://schemas.microsoft.com/office/drawing/2010/main" val="0"/>
+              </a:ext>
+              <a:ext uri="{96DAC541-7B7A-43D3-8B79-37D633B846F1}">
+                <asvg:svgBlip xmlns:asvg="http://schemas.microsoft.com/office/drawing/2016/SVG/main" r:embed="rId5"/>
+              </a:ext>
+            </a:extLst>
+          </a:blip>
+          <a:stretch>
+            <a:fillRect/>
+          </a:stretch>
+        </p:blipFill>
+        <p:spPr>
+          <a:xfrm>
+            <a:off x="11001632" y="32084"/>
+            <a:ext cx="1190367" cy="1190367"/>
+          </a:xfrm>
+          <a:prstGeom prst="rect">
+            <a:avLst/>
+          </a:prstGeom>
+        </p:spPr>
+      </p:pic>
+      <p:pic>
+        <p:nvPicPr>
+          <p:cNvPr id="6" name="Graphic 5" descr="Siren with solid fill">
+            <a:extLst>
+              <a:ext uri="{FF2B5EF4-FFF2-40B4-BE49-F238E27FC236}">
+                <a16:creationId xmlns:a16="http://schemas.microsoft.com/office/drawing/2014/main" id="{F0DFC0F3-EA85-105A-E436-6C6CDF4365FB}"/>
+              </a:ext>
+            </a:extLst>
+          </p:cNvPr>
+          <p:cNvPicPr>
+            <a:picLocks noChangeAspect="1"/>
+          </p:cNvPicPr>
+          <p:nvPr/>
+        </p:nvPicPr>
+        <p:blipFill>
+          <a:blip r:embed="rId6">
+            <a:extLst>
+              <a:ext uri="{28A0092B-C50C-407E-A947-70E740481C1C}">
+                <a14:useLocalDpi xmlns:a14="http://schemas.microsoft.com/office/drawing/2010/main" val="0"/>
+              </a:ext>
+              <a:ext uri="{96DAC541-7B7A-43D3-8B79-37D633B846F1}">
+                <asvg:svgBlip xmlns:asvg="http://schemas.microsoft.com/office/drawing/2016/SVG/main" r:embed="rId7"/>
+              </a:ext>
+            </a:extLst>
+          </a:blip>
+          <a:stretch>
+            <a:fillRect/>
+          </a:stretch>
+        </p:blipFill>
+        <p:spPr>
+          <a:xfrm>
+            <a:off x="0" y="-16902"/>
+            <a:ext cx="1375575" cy="1375575"/>
+          </a:xfrm>
+          <a:prstGeom prst="rect">
+            <a:avLst/>
+          </a:prstGeom>
+        </p:spPr>
+      </p:pic>
+    </p:spTree>
+    <p:extLst>
+      <p:ext uri="{BB962C8B-B14F-4D97-AF65-F5344CB8AC3E}">
+        <p14:creationId xmlns:p14="http://schemas.microsoft.com/office/powerpoint/2010/main" val="1604598879"/>
+      </p:ext>
+    </p:extLst>
+  </p:cSld>
+  <p:clrMapOvr>
+    <a:masterClrMapping/>
+  </p:clrMapOvr>
+  <mc:AlternateContent xmlns:mc="http://schemas.openxmlformats.org/markup-compatibility/2006" xmlns:p14="http://schemas.microsoft.com/office/powerpoint/2010/main">
+    <mc:Choice Requires="p14">
+      <p:transition spd="slow" p14:dur="1500">
+        <p:split orient="vert"/>
+      </p:transition>
+    </mc:Choice>
+    <mc:Fallback xmlns="">
+      <p:transition spd="slow">
+        <p:split orient="vert"/>
+      </p:transition>
+    </mc:Fallback>
+  </mc:AlternateContent>
+</p:sld>
+</file>
+
+<file path=ppt/slides/slide3.xml><?xml version="1.0" encoding="utf-8"?>
+<p:sld xmlns:a="http://schemas.openxmlformats.org/drawingml/2006/main" xmlns:r="http://schemas.openxmlformats.org/officeDocument/2006/relationships" xmlns:p="http://schemas.openxmlformats.org/presentationml/2006/main">
+  <p:cSld>
+    <p:spTree>
+      <p:nvGrpSpPr>
+        <p:cNvPr id="1" name=""/>
+        <p:cNvGrpSpPr/>
+        <p:nvPr/>
+      </p:nvGrpSpPr>
+      <p:grpSpPr>
+        <a:xfrm>
+          <a:off x="0" y="0"/>
+          <a:ext cx="0" cy="0"/>
+          <a:chOff x="0" y="0"/>
+          <a:chExt cx="0" cy="0"/>
+        </a:xfrm>
+      </p:grpSpPr>
+      <p:sp>
+        <p:nvSpPr>
+          <p:cNvPr id="2" name="Title 1">
+            <a:extLst>
+              <a:ext uri="{FF2B5EF4-FFF2-40B4-BE49-F238E27FC236}">
+                <a16:creationId xmlns:a16="http://schemas.microsoft.com/office/drawing/2014/main" id="{3FC40F1B-DAFF-AE30-7D4A-01EA1AB23990}"/>
+              </a:ext>
+            </a:extLst>
+          </p:cNvPr>
+          <p:cNvSpPr>
+            <a:spLocks noGrp="1"/>
+          </p:cNvSpPr>
+          <p:nvPr>
+            <p:ph type="title"/>
+          </p:nvPr>
+        </p:nvSpPr>
+        <p:spPr>
+          <a:xfrm>
+            <a:off x="1721540" y="32084"/>
+            <a:ext cx="8748920" cy="1092248"/>
+          </a:xfrm>
+        </p:spPr>
+        <p:txBody>
+          <a:bodyPr>
+            <a:normAutofit/>
+          </a:bodyPr>
+          <a:lstStyle/>
+          <a:p>
+            <a:pPr algn="ctr"/>
+            <a:r>
+              <a:rPr lang="en-US" sz="4000" b="1" dirty="0">
+                <a:latin typeface="Amasis MT Pro Black" panose="02040A04050005020304" pitchFamily="18" charset="0"/>
+              </a:rPr>
+              <a:t>Meet the Curious Conquerors</a:t>
+            </a:r>
+          </a:p>
+        </p:txBody>
+      </p:sp>
+      <p:sp>
+        <p:nvSpPr>
+          <p:cNvPr id="3" name="Content Placeholder 2">
+            <a:extLst>
+              <a:ext uri="{FF2B5EF4-FFF2-40B4-BE49-F238E27FC236}">
+                <a16:creationId xmlns:a16="http://schemas.microsoft.com/office/drawing/2014/main" id="{8992AE70-95A7-589A-9C38-2BD8FD60CBCC}"/>
+              </a:ext>
+            </a:extLst>
+          </p:cNvPr>
+          <p:cNvSpPr>
+            <a:spLocks noGrp="1"/>
+          </p:cNvSpPr>
+          <p:nvPr>
+            <p:ph idx="1"/>
+          </p:nvPr>
+        </p:nvSpPr>
+        <p:spPr>
+          <a:xfrm>
+            <a:off x="95250" y="1929296"/>
+            <a:ext cx="12001500" cy="3953030"/>
+          </a:xfrm>
+        </p:spPr>
+        <p:txBody>
+          <a:bodyPr>
+            <a:normAutofit/>
+          </a:bodyPr>
+          <a:lstStyle/>
+          <a:p>
+            <a:pPr marL="0" indent="0">
+              <a:buNone/>
+            </a:pPr>
+            <a:r>
+              <a:rPr lang="en-US" sz="3200" dirty="0"/>
+              <a:t>Lindsay</a:t>
+            </a:r>
+          </a:p>
+          <a:p>
+            <a:pPr lvl="1">
+              <a:buFont typeface="Wingdings" panose="05000000000000000000" pitchFamily="2" charset="2"/>
+              <a:buChar char="Ø"/>
+            </a:pPr>
+            <a:r>
+              <a:rPr lang="en-US" sz="2800" dirty="0"/>
+              <a:t>At Home:  I was born and raised in a small town in Northern Iowa. My hometown is where I still reside.  I am close to my family and friends. I do not have children, just 3 dogs and a lot of plants. </a:t>
+            </a:r>
+          </a:p>
+          <a:p>
+            <a:pPr lvl="1">
+              <a:buFont typeface="Wingdings" panose="05000000000000000000" pitchFamily="2" charset="2"/>
+              <a:buChar char="Ø"/>
+            </a:pPr>
+            <a:r>
+              <a:rPr lang="en-US" sz="2800" dirty="0"/>
+              <a:t>Personally: I am shy, creative, intuitive, and loves doing anything hands on.</a:t>
+            </a:r>
+          </a:p>
+          <a:p>
+            <a:pPr lvl="1">
+              <a:buFont typeface="Wingdings" panose="05000000000000000000" pitchFamily="2" charset="2"/>
+              <a:buChar char="Ø"/>
+            </a:pPr>
+            <a:r>
+              <a:rPr lang="en-US" sz="2800" dirty="0"/>
+              <a:t>At work: I work in customer service. I know how to communicate effectively to coworkers and managers when necessary. </a:t>
+            </a:r>
+          </a:p>
+          <a:p>
+            <a:pPr lvl="1">
+              <a:buFont typeface="Wingdings" panose="05000000000000000000" pitchFamily="2" charset="2"/>
+              <a:buChar char="Ø"/>
+            </a:pPr>
+            <a:r>
+              <a:rPr lang="en-US" sz="2800" dirty="0"/>
+              <a:t>My future: I have always had a drive for technology and have plans to pursue a technology based career down the road. </a:t>
+            </a:r>
+          </a:p>
+          <a:p>
+            <a:pPr lvl="1">
+              <a:buFont typeface="Wingdings" panose="05000000000000000000" pitchFamily="2" charset="2"/>
+              <a:buChar char="Ø"/>
+            </a:pPr>
+            <a:endParaRPr lang="en-US" sz="2800" dirty="0"/>
+          </a:p>
+          <a:p>
+            <a:pPr lvl="1">
+              <a:buFont typeface="Wingdings" panose="05000000000000000000" pitchFamily="2" charset="2"/>
+              <a:buChar char="ü"/>
+            </a:pPr>
+            <a:endParaRPr lang="en-US" sz="2800" dirty="0"/>
+          </a:p>
+        </p:txBody>
+      </p:sp>
+      <p:pic>
+        <p:nvPicPr>
+          <p:cNvPr id="6" name="Graphic 5" descr="Siren with solid fill">
+            <a:extLst>
+              <a:ext uri="{FF2B5EF4-FFF2-40B4-BE49-F238E27FC236}">
+                <a16:creationId xmlns:a16="http://schemas.microsoft.com/office/drawing/2014/main" id="{B00BED72-4170-ADA5-7A26-0E17B516B1AD}"/>
+              </a:ext>
+            </a:extLst>
+          </p:cNvPr>
+          <p:cNvPicPr>
+            <a:picLocks noChangeAspect="1"/>
+          </p:cNvPicPr>
+          <p:nvPr/>
+        </p:nvPicPr>
+        <p:blipFill>
+          <a:blip r:embed="rId2">
+            <a:extLst>
+              <a:ext uri="{28A0092B-C50C-407E-A947-70E740481C1C}">
+                <a14:useLocalDpi xmlns:a14="http://schemas.microsoft.com/office/drawing/2010/main" val="0"/>
+              </a:ext>
+              <a:ext uri="{96DAC541-7B7A-43D3-8B79-37D633B846F1}">
+                <asvg:svgBlip xmlns:asvg="http://schemas.microsoft.com/office/drawing/2016/SVG/main" r:embed="rId3"/>
+              </a:ext>
+            </a:extLst>
+          </a:blip>
+          <a:stretch>
+            <a:fillRect/>
+          </a:stretch>
+        </p:blipFill>
+        <p:spPr>
+          <a:xfrm>
+            <a:off x="0" y="-16902"/>
+            <a:ext cx="1375575" cy="1375575"/>
+          </a:xfrm>
+          <a:prstGeom prst="rect">
+            <a:avLst/>
+          </a:prstGeom>
+        </p:spPr>
+      </p:pic>
+      <p:pic>
+        <p:nvPicPr>
+          <p:cNvPr id="7" name="Graphic 6" descr="Jail with solid fill">
+            <a:extLst>
+              <a:ext uri="{FF2B5EF4-FFF2-40B4-BE49-F238E27FC236}">
+                <a16:creationId xmlns:a16="http://schemas.microsoft.com/office/drawing/2014/main" id="{DF4CEA17-009E-B3C3-D5E8-00EC77BE9781}"/>
+              </a:ext>
+            </a:extLst>
+          </p:cNvPr>
+          <p:cNvPicPr>
+            <a:picLocks noChangeAspect="1"/>
+          </p:cNvPicPr>
+          <p:nvPr/>
+        </p:nvPicPr>
+        <p:blipFill>
+          <a:blip r:embed="rId4">
+            <a:extLst>
+              <a:ext uri="{28A0092B-C50C-407E-A947-70E740481C1C}">
+                <a14:useLocalDpi xmlns:a14="http://schemas.microsoft.com/office/drawing/2010/main" val="0"/>
+              </a:ext>
+              <a:ext uri="{96DAC541-7B7A-43D3-8B79-37D633B846F1}">
+                <asvg:svgBlip xmlns:asvg="http://schemas.microsoft.com/office/drawing/2016/SVG/main" r:embed="rId5"/>
+              </a:ext>
+            </a:extLst>
+          </a:blip>
+          <a:stretch>
+            <a:fillRect/>
+          </a:stretch>
+        </p:blipFill>
+        <p:spPr>
+          <a:xfrm>
+            <a:off x="11001633" y="0"/>
+            <a:ext cx="1190367" cy="1190367"/>
+          </a:xfrm>
+          <a:prstGeom prst="rect">
+            <a:avLst/>
+          </a:prstGeom>
+        </p:spPr>
+      </p:pic>
+    </p:spTree>
+    <p:extLst>
+      <p:ext uri="{BB962C8B-B14F-4D97-AF65-F5344CB8AC3E}">
+        <p14:creationId xmlns:p14="http://schemas.microsoft.com/office/powerpoint/2010/main" val="2548099058"/>
+      </p:ext>
+    </p:extLst>
+  </p:cSld>
+  <p:clrMapOvr>
+    <a:masterClrMapping/>
+  </p:clrMapOvr>
+  <mc:AlternateContent xmlns:mc="http://schemas.openxmlformats.org/markup-compatibility/2006" xmlns:p14="http://schemas.microsoft.com/office/powerpoint/2010/main">
+    <mc:Choice Requires="p14">
+      <p:transition spd="slow" p14:dur="1500">
+        <p:split orient="vert"/>
+      </p:transition>
+    </mc:Choice>
+    <mc:Fallback xmlns="">
+      <p:transition spd="slow">
+        <p:split orient="vert"/>
+      </p:transition>
+    </mc:Fallback>
+  </mc:AlternateContent>
+</p:sld>
+</file>
+
+<file path=ppt/slides/slide4.xml><?xml version="1.0" encoding="utf-8"?>
+<p:sld xmlns:a="http://schemas.openxmlformats.org/drawingml/2006/main" xmlns:r="http://schemas.openxmlformats.org/officeDocument/2006/relationships" xmlns:p="http://schemas.openxmlformats.org/presentationml/2006/main">
+  <p:cSld>
+    <p:spTree>
+      <p:nvGrpSpPr>
+        <p:cNvPr id="1" name=""/>
+        <p:cNvGrpSpPr/>
+        <p:nvPr/>
+      </p:nvGrpSpPr>
+      <p:grpSpPr>
+        <a:xfrm>
+          <a:off x="0" y="0"/>
+          <a:ext cx="0" cy="0"/>
+          <a:chOff x="0" y="0"/>
+          <a:chExt cx="0" cy="0"/>
+        </a:xfrm>
+      </p:grpSpPr>
+      <p:sp>
+        <p:nvSpPr>
+          <p:cNvPr id="2" name="Title 1">
+            <a:extLst>
+              <a:ext uri="{FF2B5EF4-FFF2-40B4-BE49-F238E27FC236}">
+                <a16:creationId xmlns:a16="http://schemas.microsoft.com/office/drawing/2014/main" id="{3FC40F1B-DAFF-AE30-7D4A-01EA1AB23990}"/>
+              </a:ext>
+            </a:extLst>
+          </p:cNvPr>
+          <p:cNvSpPr>
+            <a:spLocks noGrp="1"/>
+          </p:cNvSpPr>
+          <p:nvPr>
+            <p:ph type="title"/>
+          </p:nvPr>
+        </p:nvSpPr>
+        <p:spPr>
+          <a:xfrm>
+            <a:off x="1721540" y="32084"/>
+            <a:ext cx="8748920" cy="1141234"/>
+          </a:xfrm>
+        </p:spPr>
+        <p:txBody>
+          <a:bodyPr>
+            <a:normAutofit/>
+          </a:bodyPr>
+          <a:lstStyle/>
+          <a:p>
+            <a:pPr algn="ctr"/>
+            <a:r>
+              <a:rPr lang="en-US" sz="4000" b="1" dirty="0">
+                <a:latin typeface="Amasis MT Pro Black" panose="02040A04050005020304" pitchFamily="18" charset="0"/>
+              </a:rPr>
+              <a:t>Meet the Curious Conquerors</a:t>
+            </a:r>
+          </a:p>
+        </p:txBody>
+      </p:sp>
+      <p:sp>
+        <p:nvSpPr>
+          <p:cNvPr id="3" name="Content Placeholder 2">
+            <a:extLst>
+              <a:ext uri="{FF2B5EF4-FFF2-40B4-BE49-F238E27FC236}">
+                <a16:creationId xmlns:a16="http://schemas.microsoft.com/office/drawing/2014/main" id="{8992AE70-95A7-589A-9C38-2BD8FD60CBCC}"/>
+              </a:ext>
+            </a:extLst>
+          </p:cNvPr>
+          <p:cNvSpPr>
+            <a:spLocks noGrp="1"/>
+          </p:cNvSpPr>
+          <p:nvPr>
+            <p:ph idx="1"/>
+          </p:nvPr>
+        </p:nvSpPr>
+        <p:spPr>
+          <a:xfrm>
+            <a:off x="37214" y="1261856"/>
+            <a:ext cx="12001500" cy="5596143"/>
+          </a:xfrm>
+        </p:spPr>
+        <p:txBody>
+          <a:bodyPr>
+            <a:normAutofit lnSpcReduction="10000"/>
+          </a:bodyPr>
+          <a:lstStyle/>
+          <a:p>
+            <a:pPr marL="0" indent="0" algn="ctr">
+              <a:buNone/>
+            </a:pPr>
+            <a:r>
+              <a:rPr lang="en-US" sz="4400" b="1" dirty="0"/>
+              <a:t>Mischa</a:t>
+            </a:r>
+          </a:p>
+          <a:p>
+            <a:pPr lvl="1">
+              <a:buFont typeface="Wingdings" panose="05000000000000000000" pitchFamily="2" charset="2"/>
+              <a:buChar char="Ø"/>
+            </a:pPr>
+            <a:r>
+              <a:rPr lang="en-US" dirty="0"/>
+              <a:t>First meet</a:t>
+            </a:r>
+          </a:p>
+          <a:p>
+            <a:pPr lvl="2">
+              <a:buFont typeface="Wingdings" panose="05000000000000000000" pitchFamily="2" charset="2"/>
+              <a:buChar char="Ø"/>
+            </a:pPr>
+            <a:r>
+              <a:rPr lang="en-US" dirty="0"/>
+              <a:t>Nervous, Shy, goofy, fast</a:t>
+            </a:r>
+          </a:p>
+          <a:p>
+            <a:pPr lvl="1">
+              <a:buFont typeface="Wingdings" panose="05000000000000000000" pitchFamily="2" charset="2"/>
+              <a:buChar char="Ø"/>
+            </a:pPr>
+            <a:r>
+              <a:rPr lang="en-US" dirty="0"/>
+              <a:t>At work</a:t>
+            </a:r>
+          </a:p>
+          <a:p>
+            <a:pPr lvl="2">
+              <a:buFont typeface="Wingdings" panose="05000000000000000000" pitchFamily="2" charset="2"/>
+              <a:buChar char="Ø"/>
+            </a:pPr>
+            <a:r>
+              <a:rPr lang="en-US" dirty="0"/>
+              <a:t>I am known to be every team’s go-to training and know-how expert.</a:t>
+            </a:r>
+          </a:p>
+          <a:p>
+            <a:pPr lvl="2">
+              <a:buFont typeface="Wingdings" panose="05000000000000000000" pitchFamily="2" charset="2"/>
+              <a:buChar char="Ø"/>
+            </a:pPr>
+            <a:r>
+              <a:rPr lang="en-US" dirty="0"/>
+              <a:t>Direct, formal, confident</a:t>
+            </a:r>
+          </a:p>
+          <a:p>
+            <a:pPr lvl="1">
+              <a:buFont typeface="Wingdings" panose="05000000000000000000" pitchFamily="2" charset="2"/>
+              <a:buChar char="Ø"/>
+            </a:pPr>
+            <a:r>
+              <a:rPr lang="en-US" sz="2800" dirty="0"/>
+              <a:t>At Home</a:t>
+            </a:r>
+          </a:p>
+          <a:p>
+            <a:pPr lvl="2">
+              <a:buFont typeface="Wingdings" panose="05000000000000000000" pitchFamily="2" charset="2"/>
+              <a:buChar char="Ø"/>
+            </a:pPr>
+            <a:r>
+              <a:rPr lang="en-US" sz="2400" dirty="0"/>
+              <a:t>I inspire my two daughters </a:t>
+            </a:r>
+          </a:p>
+          <a:p>
+            <a:pPr lvl="3">
+              <a:buFont typeface="Wingdings" panose="05000000000000000000" pitchFamily="2" charset="2"/>
+              <a:buChar char="Ø"/>
+            </a:pPr>
+            <a:r>
+              <a:rPr lang="en-US" sz="2200" dirty="0"/>
+              <a:t>by modeling: 	</a:t>
+            </a:r>
+          </a:p>
+          <a:p>
+            <a:pPr lvl="4">
+              <a:buFont typeface="Wingdings" panose="05000000000000000000" pitchFamily="2" charset="2"/>
+              <a:buChar char="Ø"/>
+            </a:pPr>
+            <a:r>
+              <a:rPr lang="en-US" sz="2200" dirty="0"/>
+              <a:t>Student</a:t>
+            </a:r>
+          </a:p>
+          <a:p>
+            <a:pPr lvl="4">
+              <a:buFont typeface="Wingdings" panose="05000000000000000000" pitchFamily="2" charset="2"/>
+              <a:buChar char="Ø"/>
+            </a:pPr>
+            <a:r>
+              <a:rPr lang="en-US" sz="2200" dirty="0"/>
+              <a:t>Family Member</a:t>
+            </a:r>
+          </a:p>
+          <a:p>
+            <a:pPr lvl="4">
+              <a:buFont typeface="Wingdings" panose="05000000000000000000" pitchFamily="2" charset="2"/>
+              <a:buChar char="Ø"/>
+            </a:pPr>
+            <a:r>
+              <a:rPr lang="en-US" sz="2200" dirty="0"/>
+              <a:t>Fulfilling Career</a:t>
+            </a:r>
+            <a:endParaRPr lang="en-US" sz="2800" dirty="0"/>
+          </a:p>
+          <a:p>
+            <a:pPr lvl="1">
+              <a:buFont typeface="Wingdings" panose="05000000000000000000" pitchFamily="2" charset="2"/>
+              <a:buChar char="Ø"/>
+            </a:pPr>
+            <a:r>
+              <a:rPr lang="en-US" sz="2800" dirty="0"/>
+              <a:t>Motivation</a:t>
+            </a:r>
+          </a:p>
+          <a:p>
+            <a:pPr lvl="2">
+              <a:buFont typeface="Wingdings" panose="05000000000000000000" pitchFamily="2" charset="2"/>
+              <a:buChar char="Ø"/>
+            </a:pPr>
+            <a:r>
+              <a:rPr lang="en-US" sz="2400" dirty="0"/>
+              <a:t>Love for information and a better understanding of data to improve life.</a:t>
+            </a:r>
+          </a:p>
+          <a:p>
+            <a:pPr lvl="1">
+              <a:buFont typeface="Wingdings" panose="05000000000000000000" pitchFamily="2" charset="2"/>
+              <a:buChar char="Ø"/>
+            </a:pPr>
+            <a:endParaRPr lang="en-US" sz="2800" dirty="0"/>
+          </a:p>
+        </p:txBody>
+      </p:sp>
+      <p:pic>
+        <p:nvPicPr>
+          <p:cNvPr id="7" name="Graphic 6" descr="Siren with solid fill">
+            <a:extLst>
+              <a:ext uri="{FF2B5EF4-FFF2-40B4-BE49-F238E27FC236}">
+                <a16:creationId xmlns:a16="http://schemas.microsoft.com/office/drawing/2014/main" id="{338C5D1E-7759-8148-2648-975F522D49AD}"/>
+              </a:ext>
+            </a:extLst>
+          </p:cNvPr>
+          <p:cNvPicPr>
+            <a:picLocks noChangeAspect="1"/>
+          </p:cNvPicPr>
+          <p:nvPr/>
+        </p:nvPicPr>
+        <p:blipFill>
+          <a:blip r:embed="rId2">
+            <a:extLst>
+              <a:ext uri="{28A0092B-C50C-407E-A947-70E740481C1C}">
+                <a14:useLocalDpi xmlns:a14="http://schemas.microsoft.com/office/drawing/2010/main" val="0"/>
+              </a:ext>
+              <a:ext uri="{96DAC541-7B7A-43D3-8B79-37D633B846F1}">
+                <asvg:svgBlip xmlns:asvg="http://schemas.microsoft.com/office/drawing/2016/SVG/main" r:embed="rId3"/>
+              </a:ext>
+            </a:extLst>
+          </a:blip>
+          <a:stretch>
+            <a:fillRect/>
+          </a:stretch>
+        </p:blipFill>
+        <p:spPr>
+          <a:xfrm>
+            <a:off x="37214" y="0"/>
+            <a:ext cx="1375575" cy="1375575"/>
+          </a:xfrm>
+          <a:prstGeom prst="rect">
+            <a:avLst/>
+          </a:prstGeom>
+        </p:spPr>
+      </p:pic>
+      <p:pic>
+        <p:nvPicPr>
+          <p:cNvPr id="9" name="Graphic 8" descr="Jail with solid fill">
+            <a:extLst>
+              <a:ext uri="{FF2B5EF4-FFF2-40B4-BE49-F238E27FC236}">
+                <a16:creationId xmlns:a16="http://schemas.microsoft.com/office/drawing/2014/main" id="{52C77B80-8713-0A0C-B6FF-E73F3738C9B3}"/>
+              </a:ext>
+            </a:extLst>
+          </p:cNvPr>
+          <p:cNvPicPr>
+            <a:picLocks noChangeAspect="1"/>
+          </p:cNvPicPr>
+          <p:nvPr/>
+        </p:nvPicPr>
+        <p:blipFill>
+          <a:blip r:embed="rId4">
+            <a:extLst>
+              <a:ext uri="{28A0092B-C50C-407E-A947-70E740481C1C}">
+                <a14:useLocalDpi xmlns:a14="http://schemas.microsoft.com/office/drawing/2010/main" val="0"/>
+              </a:ext>
+              <a:ext uri="{96DAC541-7B7A-43D3-8B79-37D633B846F1}">
+                <asvg:svgBlip xmlns:asvg="http://schemas.microsoft.com/office/drawing/2016/SVG/main" r:embed="rId5"/>
+              </a:ext>
+            </a:extLst>
+          </a:blip>
+          <a:stretch>
+            <a:fillRect/>
+          </a:stretch>
+        </p:blipFill>
+        <p:spPr>
+          <a:xfrm>
+            <a:off x="10964419" y="27220"/>
+            <a:ext cx="1190367" cy="1190367"/>
+          </a:xfrm>
+          <a:prstGeom prst="rect">
+            <a:avLst/>
+          </a:prstGeom>
+        </p:spPr>
+      </p:pic>
+    </p:spTree>
+    <p:extLst>
+      <p:ext uri="{BB962C8B-B14F-4D97-AF65-F5344CB8AC3E}">
+        <p14:creationId xmlns:p14="http://schemas.microsoft.com/office/powerpoint/2010/main" val="2306386016"/>
+      </p:ext>
+    </p:extLst>
+  </p:cSld>
+  <p:clrMapOvr>
+    <a:masterClrMapping/>
+  </p:clrMapOvr>
+  <mc:AlternateContent xmlns:mc="http://schemas.openxmlformats.org/markup-compatibility/2006" xmlns:p14="http://schemas.microsoft.com/office/powerpoint/2010/main">
+    <mc:Choice Requires="p14">
+      <p:transition spd="slow" p14:dur="1500">
+        <p:split orient="vert"/>
+      </p:transition>
+    </mc:Choice>
+    <mc:Fallback xmlns="">
+      <p:transition spd="slow">
+        <p:split orient="vert"/>
+      </p:transition>
+    </mc:Fallback>
+  </mc:AlternateContent>
+</p:sld>
+</file>
+
+<file path=ppt/slides/slide5.xml><?xml version="1.0" encoding="utf-8"?>
+<p:sld xmlns:a="http://schemas.openxmlformats.org/drawingml/2006/main" xmlns:r="http://schemas.openxmlformats.org/officeDocument/2006/relationships" xmlns:p="http://schemas.openxmlformats.org/presentationml/2006/main">
+  <p:cSld>
+    <p:bg>
+      <p:bgPr>
+        <a:solidFill>
+          <a:schemeClr val="bg1"/>
+        </a:solidFill>
+        <a:effectLst/>
+      </p:bgPr>
+    </p:bg>
+    <p:spTree>
+      <p:nvGrpSpPr>
+        <p:cNvPr id="1" name=""/>
+        <p:cNvGrpSpPr/>
+        <p:nvPr/>
+      </p:nvGrpSpPr>
+      <p:grpSpPr>
+        <a:xfrm>
+          <a:off x="0" y="0"/>
+          <a:ext cx="0" cy="0"/>
+          <a:chOff x="0" y="0"/>
+          <a:chExt cx="0" cy="0"/>
+        </a:xfrm>
+      </p:grpSpPr>
+      <p:sp useBgFill="1">
+        <p:nvSpPr>
+          <p:cNvPr id="44" name="Rectangle 24">
+            <a:extLst>
+              <a:ext uri="{FF2B5EF4-FFF2-40B4-BE49-F238E27FC236}">
+                <a16:creationId xmlns:a16="http://schemas.microsoft.com/office/drawing/2014/main" id="{B6CDA21F-E7AF-4C75-8395-33F58D5B0E45}"/>
+              </a:ext>
+              <a:ext uri="{C183D7F6-B498-43B3-948B-1728B52AA6E4}">
+                <adec:decorative xmlns:adec="http://schemas.microsoft.com/office/drawing/2017/decorative" val="1"/>
+              </a:ext>
+            </a:extLst>
+          </p:cNvPr>
+          <p:cNvSpPr>
+            <a:spLocks noGrp="1" noRot="1" noChangeAspect="1" noMove="1" noResize="1" noEditPoints="1" noAdjustHandles="1" noChangeArrowheads="1" noChangeShapeType="1" noTextEdit="1"/>
+          </p:cNvSpPr>
+          <p:nvPr>
+            <p:extLst>
+              <p:ext uri="{386F3935-93C4-4BCD-93E2-E3B085C9AB24}">
+                <p16:designElem xmlns:p16="http://schemas.microsoft.com/office/powerpoint/2015/main" val="1"/>
+              </p:ext>
+            </p:extLst>
+          </p:nvPr>
+        </p:nvSpPr>
+        <p:spPr>
+          <a:xfrm>
+            <a:off x="0" y="0"/>
+            <a:ext cx="12191999" cy="6857365"/>
+          </a:xfrm>
+          <a:prstGeom prst="rect">
+            <a:avLst/>
+          </a:prstGeom>
+          <a:ln>
+            <a:noFill/>
+          </a:ln>
+        </p:spPr>
+        <p:style>
+          <a:lnRef idx="2">
+            <a:schemeClr val="accent1">
+              <a:shade val="50000"/>
+            </a:schemeClr>
+          </a:lnRef>
+          <a:fillRef idx="1">
+            <a:schemeClr val="accent1"/>
+          </a:fillRef>
+          <a:effectRef idx="0">
+            <a:schemeClr val="accent1"/>
+          </a:effectRef>
+          <a:fontRef idx="minor">
+            <a:schemeClr val="lt1"/>
+          </a:fontRef>
+        </p:style>
+        <p:txBody>
+          <a:bodyPr rtlCol="0" anchor="ctr"/>
+          <a:lstStyle/>
+          <a:p>
+            <a:pPr algn="ctr"/>
+            <a:endParaRPr lang="en-US"/>
+          </a:p>
+        </p:txBody>
+      </p:sp>
+      <p:grpSp>
+        <p:nvGrpSpPr>
+          <p:cNvPr id="45" name="Group 26">
+            <a:extLst>
+              <a:ext uri="{FF2B5EF4-FFF2-40B4-BE49-F238E27FC236}">
+                <a16:creationId xmlns:a16="http://schemas.microsoft.com/office/drawing/2014/main" id="{AE1C45F0-260A-458C-96ED-C1F6D2151219}"/>
+              </a:ext>
+              <a:ext uri="{C183D7F6-B498-43B3-948B-1728B52AA6E4}">
+                <adec:decorative xmlns:adec="http://schemas.microsoft.com/office/drawing/2017/decorative" val="1"/>
+              </a:ext>
+            </a:extLst>
+          </p:cNvPr>
+          <p:cNvGrpSpPr>
+            <a:grpSpLocks noGrp="1" noUngrp="1" noRot="1" noChangeAspect="1" noMove="1" noResize="1"/>
+          </p:cNvGrpSpPr>
+          <p:nvPr>
+            <p:extLst>
+              <p:ext uri="{386F3935-93C4-4BCD-93E2-E3B085C9AB24}">
+                <p16:designElem xmlns:p16="http://schemas.microsoft.com/office/powerpoint/2015/main" val="1"/>
+              </p:ext>
+            </p:extLst>
+          </p:nvPr>
+        </p:nvGrpSpPr>
+        <p:grpSpPr>
+          <a:xfrm>
+            <a:off x="4" y="1216597"/>
+            <a:ext cx="731521" cy="673460"/>
+            <a:chOff x="3940602" y="308034"/>
+            <a:chExt cx="2116791" cy="3428999"/>
+          </a:xfrm>
+          <a:solidFill>
+            <a:schemeClr val="accent4"/>
+          </a:solidFill>
+        </p:grpSpPr>
+        <p:sp>
+          <p:nvSpPr>
+            <p:cNvPr id="28" name="Rectangle 27">
+              <a:extLst>
+                <a:ext uri="{FF2B5EF4-FFF2-40B4-BE49-F238E27FC236}">
+                  <a16:creationId xmlns:a16="http://schemas.microsoft.com/office/drawing/2014/main" id="{A6604B49-AD5C-4590-B051-06C8222ECD99}"/>
+                </a:ext>
+                <a:ext uri="{C183D7F6-B498-43B3-948B-1728B52AA6E4}">
+                  <adec:decorative xmlns:adec="http://schemas.microsoft.com/office/drawing/2017/decorative" val="1"/>
+                </a:ext>
+              </a:extLst>
+            </p:cNvPr>
+            <p:cNvSpPr/>
+            <p:nvPr>
+              <p:extLst>
+                <p:ext uri="{386F3935-93C4-4BCD-93E2-E3B085C9AB24}">
+                  <p16:designElem xmlns:p16="http://schemas.microsoft.com/office/powerpoint/2015/main" val="1"/>
+                </p:ext>
+              </p:extLst>
+            </p:nvPr>
+          </p:nvSpPr>
+          <p:spPr>
+            <a:xfrm>
+              <a:off x="3940602" y="308034"/>
+              <a:ext cx="566743" cy="3428999"/>
+            </a:xfrm>
+            <a:prstGeom prst="rect">
+              <a:avLst/>
+            </a:prstGeom>
+            <a:grpFill/>
+            <a:ln>
+              <a:noFill/>
+            </a:ln>
+          </p:spPr>
+          <p:style>
+            <a:lnRef idx="2">
+              <a:schemeClr val="accent1">
+                <a:shade val="50000"/>
+              </a:schemeClr>
+            </a:lnRef>
+            <a:fillRef idx="1">
+              <a:schemeClr val="accent1"/>
+            </a:fillRef>
+            <a:effectRef idx="0">
+              <a:schemeClr val="accent1"/>
+            </a:effectRef>
+            <a:fontRef idx="minor">
+              <a:schemeClr val="lt1"/>
+            </a:fontRef>
+          </p:style>
+          <p:txBody>
+            <a:bodyPr rtlCol="0" anchor="ctr"/>
+            <a:lstStyle/>
+            <a:p>
+              <a:pPr algn="ctr"/>
+              <a:endParaRPr lang="en-US"/>
+            </a:p>
+          </p:txBody>
+        </p:sp>
+        <p:sp>
+          <p:nvSpPr>
+            <p:cNvPr id="46" name="Rectangle 28">
+              <a:extLst>
+                <a:ext uri="{FF2B5EF4-FFF2-40B4-BE49-F238E27FC236}">
+                  <a16:creationId xmlns:a16="http://schemas.microsoft.com/office/drawing/2014/main" id="{743ECCAF-29C5-4537-947C-7EA1292463DB}"/>
+                </a:ext>
+                <a:ext uri="{C183D7F6-B498-43B3-948B-1728B52AA6E4}">
+                  <adec:decorative xmlns:adec="http://schemas.microsoft.com/office/drawing/2017/decorative" val="1"/>
+                </a:ext>
+              </a:extLst>
+            </p:cNvPr>
+            <p:cNvSpPr/>
+            <p:nvPr>
+              <p:extLst>
+                <p:ext uri="{386F3935-93C4-4BCD-93E2-E3B085C9AB24}">
+                  <p16:designElem xmlns:p16="http://schemas.microsoft.com/office/powerpoint/2015/main" val="1"/>
+                </p:ext>
+              </p:extLst>
+            </p:nvPr>
+          </p:nvSpPr>
+          <p:spPr>
+            <a:xfrm>
+              <a:off x="4715626" y="308034"/>
+              <a:ext cx="566743" cy="3428999"/>
+            </a:xfrm>
+            <a:prstGeom prst="rect">
+              <a:avLst/>
+            </a:prstGeom>
+            <a:grpFill/>
+            <a:ln>
+              <a:noFill/>
+            </a:ln>
+          </p:spPr>
+          <p:style>
+            <a:lnRef idx="2">
+              <a:schemeClr val="accent1">
+                <a:shade val="50000"/>
+              </a:schemeClr>
+            </a:lnRef>
+            <a:fillRef idx="1">
+              <a:schemeClr val="accent1"/>
+            </a:fillRef>
+            <a:effectRef idx="0">
+              <a:schemeClr val="accent1"/>
+            </a:effectRef>
+            <a:fontRef idx="minor">
+              <a:schemeClr val="lt1"/>
+            </a:fontRef>
+          </p:style>
+          <p:txBody>
+            <a:bodyPr rtlCol="0" anchor="ctr"/>
+            <a:lstStyle/>
+            <a:p>
+              <a:pPr algn="ctr"/>
+              <a:endParaRPr lang="en-US"/>
+            </a:p>
+          </p:txBody>
+        </p:sp>
+        <p:sp>
+          <p:nvSpPr>
+            <p:cNvPr id="30" name="Rectangle 29">
+              <a:extLst>
+                <a:ext uri="{FF2B5EF4-FFF2-40B4-BE49-F238E27FC236}">
+                  <a16:creationId xmlns:a16="http://schemas.microsoft.com/office/drawing/2014/main" id="{ED49787B-8DE6-4467-AD0A-8DECC6E0C2D6}"/>
+                </a:ext>
+                <a:ext uri="{C183D7F6-B498-43B3-948B-1728B52AA6E4}">
+                  <adec:decorative xmlns:adec="http://schemas.microsoft.com/office/drawing/2017/decorative" val="1"/>
+                </a:ext>
+              </a:extLst>
+            </p:cNvPr>
+            <p:cNvSpPr/>
+            <p:nvPr>
+              <p:extLst>
+                <p:ext uri="{386F3935-93C4-4BCD-93E2-E3B085C9AB24}">
+                  <p16:designElem xmlns:p16="http://schemas.microsoft.com/office/powerpoint/2015/main" val="1"/>
+                </p:ext>
+              </p:extLst>
+            </p:nvPr>
+          </p:nvSpPr>
+          <p:spPr>
+            <a:xfrm>
+              <a:off x="5490650" y="308034"/>
+              <a:ext cx="566743" cy="3428999"/>
+            </a:xfrm>
+            <a:prstGeom prst="rect">
+              <a:avLst/>
+            </a:prstGeom>
+            <a:grpFill/>
+            <a:ln>
+              <a:noFill/>
+            </a:ln>
+          </p:spPr>
+          <p:style>
+            <a:lnRef idx="2">
+              <a:schemeClr val="accent1">
+                <a:shade val="50000"/>
+              </a:schemeClr>
+            </a:lnRef>
+            <a:fillRef idx="1">
+              <a:schemeClr val="accent1"/>
+            </a:fillRef>
+            <a:effectRef idx="0">
+              <a:schemeClr val="accent1"/>
+            </a:effectRef>
+            <a:fontRef idx="minor">
+              <a:schemeClr val="lt1"/>
+            </a:fontRef>
+          </p:style>
+          <p:txBody>
+            <a:bodyPr rtlCol="0" anchor="ctr"/>
+            <a:lstStyle/>
+            <a:p>
+              <a:pPr algn="ctr"/>
+              <a:endParaRPr lang="en-US"/>
+            </a:p>
+          </p:txBody>
+        </p:sp>
+      </p:grpSp>
+      <p:sp>
+        <p:nvSpPr>
+          <p:cNvPr id="32" name="Rectangle 31">
+            <a:extLst>
+              <a:ext uri="{FF2B5EF4-FFF2-40B4-BE49-F238E27FC236}">
+                <a16:creationId xmlns:a16="http://schemas.microsoft.com/office/drawing/2014/main" id="{D5B0017B-2ECA-49AF-B397-DC140825DF8D}"/>
+              </a:ext>
+              <a:ext uri="{C183D7F6-B498-43B3-948B-1728B52AA6E4}">
+                <adec:decorative xmlns:adec="http://schemas.microsoft.com/office/drawing/2017/decorative" val="1"/>
+              </a:ext>
+            </a:extLst>
+          </p:cNvPr>
+          <p:cNvSpPr>
+            <a:spLocks noGrp="1" noRot="1" noChangeAspect="1" noMove="1" noResize="1" noEditPoints="1" noAdjustHandles="1" noChangeArrowheads="1" noChangeShapeType="1" noTextEdit="1"/>
+          </p:cNvSpPr>
+          <p:nvPr>
+            <p:extLst>
+              <p:ext uri="{386F3935-93C4-4BCD-93E2-E3B085C9AB24}">
+                <p16:designElem xmlns:p16="http://schemas.microsoft.com/office/powerpoint/2015/main" val="1"/>
+              </p:ext>
+            </p:extLst>
+          </p:nvPr>
+        </p:nvSpPr>
+        <p:spPr>
+          <a:xfrm>
+            <a:off x="640079" y="613954"/>
+            <a:ext cx="10907487" cy="1894116"/>
+          </a:xfrm>
+          <a:prstGeom prst="rect">
+            <a:avLst/>
+          </a:prstGeom>
+          <a:solidFill>
+            <a:schemeClr val="bg1"/>
+          </a:solidFill>
+          <a:ln>
+            <a:noFill/>
+          </a:ln>
+          <a:effectLst>
+            <a:outerShdw blurRad="139700" dist="127000" dir="5400000" algn="t" rotWithShape="0">
+              <a:prstClr val="black">
+                <a:alpha val="15000"/>
+              </a:prstClr>
+            </a:outerShdw>
+          </a:effectLst>
+        </p:spPr>
+        <p:style>
+          <a:lnRef idx="2">
+            <a:schemeClr val="accent1">
+              <a:shade val="50000"/>
+            </a:schemeClr>
+          </a:lnRef>
+          <a:fillRef idx="1">
+            <a:schemeClr val="accent1"/>
+          </a:fillRef>
+          <a:effectRef idx="0">
+            <a:schemeClr val="accent1"/>
+          </a:effectRef>
+          <a:fontRef idx="minor">
+            <a:schemeClr val="lt1"/>
+          </a:fontRef>
+        </p:style>
+        <p:txBody>
+          <a:bodyPr rtlCol="0" anchor="ctr"/>
+          <a:lstStyle/>
+          <a:p>
+            <a:pPr algn="ctr"/>
+            <a:endParaRPr lang="en-US"/>
+          </a:p>
+        </p:txBody>
+      </p:sp>
+      <p:sp>
+        <p:nvSpPr>
+          <p:cNvPr id="2" name="Title 1">
+            <a:extLst>
+              <a:ext uri="{FF2B5EF4-FFF2-40B4-BE49-F238E27FC236}">
+                <a16:creationId xmlns:a16="http://schemas.microsoft.com/office/drawing/2014/main" id="{156A7A71-05F3-1D24-EFA2-F2975F458BE3}"/>
+              </a:ext>
+            </a:extLst>
+          </p:cNvPr>
+          <p:cNvSpPr>
+            <a:spLocks noGrp="1"/>
+          </p:cNvSpPr>
+          <p:nvPr>
+            <p:ph type="title"/>
+          </p:nvPr>
+        </p:nvSpPr>
+        <p:spPr>
+          <a:xfrm>
+            <a:off x="731525" y="809898"/>
+            <a:ext cx="10254822" cy="1554480"/>
+          </a:xfrm>
+        </p:spPr>
+        <p:txBody>
+          <a:bodyPr anchor="ctr">
+            <a:normAutofit/>
+          </a:bodyPr>
+          <a:lstStyle/>
+          <a:p>
+            <a:pPr algn="ctr"/>
+            <a:r>
+              <a:rPr lang="en-US" b="1" dirty="0">
+                <a:latin typeface="Amasis MT Pro Black" panose="02040A04050005020304" pitchFamily="18" charset="0"/>
+              </a:rPr>
+              <a:t>Why investigate unemployment rates on crime?</a:t>
             </a:r>
           </a:p>
         </p:txBody>
@@ -9918,7 +10546,7 @@
         <p:spPr>
           <a:xfrm>
             <a:off x="2185004" y="1896672"/>
-            <a:ext cx="4663352" cy="2308324"/>
+            <a:ext cx="4663352" cy="3539430"/>
           </a:xfrm>
           <a:prstGeom prst="rect">
             <a:avLst/>
@@ -9964,7 +10592,17 @@
             </a:pPr>
             <a:r>
               <a:rPr lang="en-US" sz="4000" dirty="0"/>
-              <a:t>Modeling  </a:t>
+              <a:t>Modeling </a:t>
+            </a:r>
+          </a:p>
+          <a:p>
+            <a:pPr marL="342900" indent="-342900">
+              <a:buFont typeface="Wingdings" panose="05000000000000000000" pitchFamily="2" charset="2"/>
+              <a:buChar char="Ø"/>
+            </a:pPr>
+            <a:r>
+              <a:rPr lang="en-US" sz="4000" dirty="0"/>
+              <a:t>R studios, python, tableau </a:t>
             </a:r>
           </a:p>
         </p:txBody>
